--- a/plan/DMC.pptx
+++ b/plan/DMC.pptx
@@ -6,6 +6,7 @@
   </p:sldMasterIdLst>
   <p:sldIdLst>
     <p:sldId id="256" r:id="rId2"/>
+    <p:sldId id="257" r:id="rId3"/>
   </p:sldIdLst>
   <p:sldSz cx="12192000" cy="6858000"/>
   <p:notesSz cx="6858000" cy="9144000"/>
@@ -104,6 +105,11 @@
       </a:defRPr>
     </a:lvl9pPr>
   </p:defaultTextStyle>
+  <p:extLst>
+    <p:ext uri="{EFAFB233-063F-42B5-8137-9DF3F51BA10A}">
+      <p15:sldGuideLst xmlns:p15="http://schemas.microsoft.com/office/powerpoint/2012/main"/>
+    </p:ext>
+  </p:extLst>
 </p:presentation>
 </file>
 
@@ -3611,10 +3617,714 @@
       </p:grpSpPr>
       <p:sp>
         <p:nvSpPr>
-          <p:cNvPr id="5" name="テキスト ボックス 4">
-            <a:extLst>
-              <a:ext uri="{FF2B5EF4-FFF2-40B4-BE49-F238E27FC236}">
-                <a16:creationId xmlns:a16="http://schemas.microsoft.com/office/drawing/2014/main" id="{F1A8F777-3EEF-AC4E-BF3A-9F8C2C7C5B3A}"/>
+          <p:cNvPr id="11" name="テキスト ボックス 10">
+            <a:extLst>
+              <a:ext uri="{FF2B5EF4-FFF2-40B4-BE49-F238E27FC236}">
+                <a16:creationId xmlns:a16="http://schemas.microsoft.com/office/drawing/2014/main" id="{B38710F5-4FE6-22EC-8DB4-8B0CE37EC117}"/>
+              </a:ext>
+            </a:extLst>
+          </p:cNvPr>
+          <p:cNvSpPr txBox="1"/>
+          <p:nvPr/>
+        </p:nvSpPr>
+        <p:spPr>
+          <a:xfrm>
+            <a:off x="3451845" y="-103201"/>
+            <a:ext cx="5396029" cy="1107996"/>
+          </a:xfrm>
+          <a:prstGeom prst="rect">
+            <a:avLst/>
+          </a:prstGeom>
+          <a:noFill/>
+        </p:spPr>
+        <p:txBody>
+          <a:bodyPr wrap="none" rtlCol="0">
+            <a:spAutoFit/>
+          </a:bodyPr>
+          <a:lstStyle/>
+          <a:p>
+            <a:r>
+              <a:rPr lang="ja-JP" altLang="en-US" sz="6600" dirty="0">
+                <a:latin typeface="HGP行書体" panose="03000600000000000000" pitchFamily="66" charset="-128"/>
+                <a:ea typeface="HGP行書体" panose="03000600000000000000" pitchFamily="66" charset="-128"/>
+              </a:rPr>
+              <a:t>わびるめいくらい</a:t>
+            </a:r>
+          </a:p>
+        </p:txBody>
+      </p:sp>
+      <p:sp>
+        <p:nvSpPr>
+          <p:cNvPr id="12" name="テキスト ボックス 11">
+            <a:extLst>
+              <a:ext uri="{FF2B5EF4-FFF2-40B4-BE49-F238E27FC236}">
+                <a16:creationId xmlns:a16="http://schemas.microsoft.com/office/drawing/2014/main" id="{6886A5A8-29D3-0FBC-544E-B0CFAA26FA7F}"/>
+              </a:ext>
+            </a:extLst>
+          </p:cNvPr>
+          <p:cNvSpPr txBox="1"/>
+          <p:nvPr/>
+        </p:nvSpPr>
+        <p:spPr>
+          <a:xfrm rot="21026471">
+            <a:off x="-56653" y="-20660"/>
+            <a:ext cx="3130985" cy="923330"/>
+          </a:xfrm>
+          <a:prstGeom prst="rect">
+            <a:avLst/>
+          </a:prstGeom>
+          <a:noFill/>
+        </p:spPr>
+        <p:txBody>
+          <a:bodyPr wrap="none" rtlCol="0">
+            <a:spAutoFit/>
+          </a:bodyPr>
+          <a:lstStyle/>
+          <a:p>
+            <a:r>
+              <a:rPr lang="ja-JP" altLang="en-US" sz="5400" dirty="0">
+                <a:latin typeface="HGP行書体" panose="03000600000000000000" pitchFamily="66" charset="-128"/>
+                <a:ea typeface="HGP行書体" panose="03000600000000000000" pitchFamily="66" charset="-128"/>
+              </a:rPr>
+              <a:t>物の怪</a:t>
+            </a:r>
+            <a:r>
+              <a:rPr kumimoji="1" lang="ja-JP" altLang="en-US" sz="4000" dirty="0">
+                <a:latin typeface="HGP行書体" panose="03000600000000000000" pitchFamily="66" charset="-128"/>
+                <a:ea typeface="HGP行書体" panose="03000600000000000000" pitchFamily="66" charset="-128"/>
+              </a:rPr>
+              <a:t>退治</a:t>
+            </a:r>
+          </a:p>
+        </p:txBody>
+      </p:sp>
+      <p:sp>
+        <p:nvSpPr>
+          <p:cNvPr id="13" name="テキスト ボックス 12">
+            <a:extLst>
+              <a:ext uri="{FF2B5EF4-FFF2-40B4-BE49-F238E27FC236}">
+                <a16:creationId xmlns:a16="http://schemas.microsoft.com/office/drawing/2014/main" id="{F1A7BE1E-7B3D-1325-45B3-02CACCD4483D}"/>
+              </a:ext>
+            </a:extLst>
+          </p:cNvPr>
+          <p:cNvSpPr txBox="1"/>
+          <p:nvPr/>
+        </p:nvSpPr>
+        <p:spPr>
+          <a:xfrm rot="21073220">
+            <a:off x="366699" y="642184"/>
+            <a:ext cx="3307316" cy="523220"/>
+          </a:xfrm>
+          <a:prstGeom prst="rect">
+            <a:avLst/>
+          </a:prstGeom>
+          <a:noFill/>
+        </p:spPr>
+        <p:txBody>
+          <a:bodyPr wrap="none" rtlCol="0">
+            <a:spAutoFit/>
+          </a:bodyPr>
+          <a:lstStyle/>
+          <a:p>
+            <a:r>
+              <a:rPr kumimoji="1" lang="ja-JP" altLang="en-US" sz="2800" dirty="0">
+                <a:latin typeface="HGP行書体" panose="03000600000000000000" pitchFamily="66" charset="-128"/>
+                <a:ea typeface="HGP行書体" panose="03000600000000000000" pitchFamily="66" charset="-128"/>
+              </a:rPr>
+              <a:t>スタイリッシュアクション</a:t>
+            </a:r>
+          </a:p>
+        </p:txBody>
+      </p:sp>
+      <p:sp>
+        <p:nvSpPr>
+          <p:cNvPr id="2" name="テキスト ボックス 1">
+            <a:extLst>
+              <a:ext uri="{FF2B5EF4-FFF2-40B4-BE49-F238E27FC236}">
+                <a16:creationId xmlns:a16="http://schemas.microsoft.com/office/drawing/2014/main" id="{A661A9A7-AA24-6411-081F-0EE41054F2ED}"/>
+              </a:ext>
+            </a:extLst>
+          </p:cNvPr>
+          <p:cNvSpPr txBox="1"/>
+          <p:nvPr/>
+        </p:nvSpPr>
+        <p:spPr>
+          <a:xfrm rot="21306350">
+            <a:off x="3414078" y="1641709"/>
+            <a:ext cx="5181227" cy="646331"/>
+          </a:xfrm>
+          <a:prstGeom prst="rect">
+            <a:avLst/>
+          </a:prstGeom>
+          <a:noFill/>
+        </p:spPr>
+        <p:txBody>
+          <a:bodyPr wrap="none" rtlCol="0">
+            <a:spAutoFit/>
+          </a:bodyPr>
+          <a:lstStyle/>
+          <a:p>
+            <a:r>
+              <a:rPr kumimoji="1" lang="ja-JP" altLang="en-US" sz="3600" dirty="0">
+                <a:latin typeface="HGP行書体" panose="03000600000000000000" pitchFamily="66" charset="-128"/>
+                <a:ea typeface="HGP行書体" panose="03000600000000000000" pitchFamily="66" charset="-128"/>
+              </a:rPr>
+              <a:t>多彩な道具で爽快にコンボ</a:t>
+            </a:r>
+          </a:p>
+        </p:txBody>
+      </p:sp>
+      <p:sp>
+        <p:nvSpPr>
+          <p:cNvPr id="20" name="テキスト ボックス 19">
+            <a:extLst>
+              <a:ext uri="{FF2B5EF4-FFF2-40B4-BE49-F238E27FC236}">
+                <a16:creationId xmlns:a16="http://schemas.microsoft.com/office/drawing/2014/main" id="{CE04F9F5-2FB2-7E98-651F-0F61B491E11F}"/>
+              </a:ext>
+            </a:extLst>
+          </p:cNvPr>
+          <p:cNvSpPr txBox="1"/>
+          <p:nvPr/>
+        </p:nvSpPr>
+        <p:spPr>
+          <a:xfrm rot="405001">
+            <a:off x="7907227" y="2256519"/>
+            <a:ext cx="3942105" cy="954107"/>
+          </a:xfrm>
+          <a:prstGeom prst="rect">
+            <a:avLst/>
+          </a:prstGeom>
+          <a:noFill/>
+        </p:spPr>
+        <p:txBody>
+          <a:bodyPr wrap="none" rtlCol="0">
+            <a:spAutoFit/>
+          </a:bodyPr>
+          <a:lstStyle/>
+          <a:p>
+            <a:r>
+              <a:rPr kumimoji="1" lang="ja-JP" altLang="en-US" sz="2800" dirty="0">
+                <a:latin typeface="HGP行書体" panose="03000600000000000000" pitchFamily="66" charset="-128"/>
+                <a:ea typeface="HGP行書体" panose="03000600000000000000" pitchFamily="66" charset="-128"/>
+              </a:rPr>
+              <a:t>鉤縄ワイヤーアクション</a:t>
+            </a:r>
+            <a:endParaRPr lang="en-US" altLang="ja-JP" sz="2800" dirty="0">
+              <a:latin typeface="HGP行書体" panose="03000600000000000000" pitchFamily="66" charset="-128"/>
+              <a:ea typeface="HGP行書体" panose="03000600000000000000" pitchFamily="66" charset="-128"/>
+            </a:endParaRPr>
+          </a:p>
+          <a:p>
+            <a:r>
+              <a:rPr kumimoji="1" lang="ja-JP" altLang="en-US" sz="2800" dirty="0">
+                <a:latin typeface="HGP行書体" panose="03000600000000000000" pitchFamily="66" charset="-128"/>
+                <a:ea typeface="HGP行書体" panose="03000600000000000000" pitchFamily="66" charset="-128"/>
+              </a:rPr>
+              <a:t>　　　　鉤縄による引き寄せ</a:t>
+            </a:r>
+          </a:p>
+        </p:txBody>
+      </p:sp>
+      <p:sp>
+        <p:nvSpPr>
+          <p:cNvPr id="21" name="テキスト ボックス 20">
+            <a:extLst>
+              <a:ext uri="{FF2B5EF4-FFF2-40B4-BE49-F238E27FC236}">
+                <a16:creationId xmlns:a16="http://schemas.microsoft.com/office/drawing/2014/main" id="{CF62DE6E-AC4B-5B41-68C2-3895DE783A20}"/>
+              </a:ext>
+            </a:extLst>
+          </p:cNvPr>
+          <p:cNvSpPr txBox="1"/>
+          <p:nvPr/>
+        </p:nvSpPr>
+        <p:spPr>
+          <a:xfrm rot="436753">
+            <a:off x="8561253" y="3712378"/>
+            <a:ext cx="2634054" cy="400110"/>
+          </a:xfrm>
+          <a:prstGeom prst="rect">
+            <a:avLst/>
+          </a:prstGeom>
+          <a:noFill/>
+        </p:spPr>
+        <p:txBody>
+          <a:bodyPr wrap="none" rtlCol="0">
+            <a:spAutoFit/>
+          </a:bodyPr>
+          <a:lstStyle/>
+          <a:p>
+            <a:r>
+              <a:rPr kumimoji="1" lang="ja-JP" altLang="en-US" sz="2000" dirty="0">
+                <a:latin typeface="HGP行書体" panose="03000600000000000000" pitchFamily="66" charset="-128"/>
+                <a:ea typeface="HGP行書体" panose="03000600000000000000" pitchFamily="66" charset="-128"/>
+              </a:rPr>
+              <a:t>まきびし蒔いてノックバック</a:t>
+            </a:r>
+          </a:p>
+        </p:txBody>
+      </p:sp>
+      <p:sp>
+        <p:nvSpPr>
+          <p:cNvPr id="22" name="テキスト ボックス 21">
+            <a:extLst>
+              <a:ext uri="{FF2B5EF4-FFF2-40B4-BE49-F238E27FC236}">
+                <a16:creationId xmlns:a16="http://schemas.microsoft.com/office/drawing/2014/main" id="{E431F1DA-0464-6A6B-F297-D3EA2B3AFFFF}"/>
+              </a:ext>
+            </a:extLst>
+          </p:cNvPr>
+          <p:cNvSpPr txBox="1"/>
+          <p:nvPr/>
+        </p:nvSpPr>
+        <p:spPr>
+          <a:xfrm rot="21022335">
+            <a:off x="3997091" y="4805468"/>
+            <a:ext cx="1691489" cy="400110"/>
+          </a:xfrm>
+          <a:prstGeom prst="rect">
+            <a:avLst/>
+          </a:prstGeom>
+          <a:noFill/>
+        </p:spPr>
+        <p:txBody>
+          <a:bodyPr wrap="none" rtlCol="0">
+            <a:spAutoFit/>
+          </a:bodyPr>
+          <a:lstStyle/>
+          <a:p>
+            <a:r>
+              <a:rPr kumimoji="1" lang="ja-JP" altLang="en-US" sz="2000" dirty="0">
+                <a:latin typeface="HGP行書体" panose="03000600000000000000" pitchFamily="66" charset="-128"/>
+                <a:ea typeface="HGP行書体" panose="03000600000000000000" pitchFamily="66" charset="-128"/>
+              </a:rPr>
+              <a:t>地形を利用して</a:t>
+            </a:r>
+          </a:p>
+        </p:txBody>
+      </p:sp>
+      <p:sp>
+        <p:nvSpPr>
+          <p:cNvPr id="23" name="テキスト ボックス 22">
+            <a:extLst>
+              <a:ext uri="{FF2B5EF4-FFF2-40B4-BE49-F238E27FC236}">
+                <a16:creationId xmlns:a16="http://schemas.microsoft.com/office/drawing/2014/main" id="{9C9BE3AF-BB35-9F59-C665-DDA903C98A05}"/>
+              </a:ext>
+            </a:extLst>
+          </p:cNvPr>
+          <p:cNvSpPr txBox="1"/>
+          <p:nvPr/>
+        </p:nvSpPr>
+        <p:spPr>
+          <a:xfrm rot="466622">
+            <a:off x="49126" y="2391598"/>
+            <a:ext cx="3954929" cy="400110"/>
+          </a:xfrm>
+          <a:prstGeom prst="rect">
+            <a:avLst/>
+          </a:prstGeom>
+          <a:noFill/>
+        </p:spPr>
+        <p:txBody>
+          <a:bodyPr wrap="none" rtlCol="0">
+            <a:spAutoFit/>
+          </a:bodyPr>
+          <a:lstStyle/>
+          <a:p>
+            <a:r>
+              <a:rPr kumimoji="1" lang="ja-JP" altLang="en-US" sz="2000" dirty="0">
+                <a:latin typeface="HGP行書体" panose="03000600000000000000" pitchFamily="66" charset="-128"/>
+                <a:ea typeface="HGP行書体" panose="03000600000000000000" pitchFamily="66" charset="-128"/>
+              </a:rPr>
+              <a:t>敵に視界外から攻撃すると即死演出</a:t>
+            </a:r>
+          </a:p>
+        </p:txBody>
+      </p:sp>
+      <p:sp>
+        <p:nvSpPr>
+          <p:cNvPr id="24" name="テキスト ボックス 23">
+            <a:extLst>
+              <a:ext uri="{FF2B5EF4-FFF2-40B4-BE49-F238E27FC236}">
+                <a16:creationId xmlns:a16="http://schemas.microsoft.com/office/drawing/2014/main" id="{2AFE7543-EC60-1EC4-7268-C2AFCF13FCAC}"/>
+              </a:ext>
+            </a:extLst>
+          </p:cNvPr>
+          <p:cNvSpPr txBox="1"/>
+          <p:nvPr/>
+        </p:nvSpPr>
+        <p:spPr>
+          <a:xfrm rot="641042">
+            <a:off x="7244444" y="5130427"/>
+            <a:ext cx="809837" cy="369332"/>
+          </a:xfrm>
+          <a:prstGeom prst="rect">
+            <a:avLst/>
+          </a:prstGeom>
+          <a:noFill/>
+        </p:spPr>
+        <p:txBody>
+          <a:bodyPr wrap="none" rtlCol="0">
+            <a:spAutoFit/>
+          </a:bodyPr>
+          <a:lstStyle/>
+          <a:p>
+            <a:r>
+              <a:rPr kumimoji="1" lang="ja-JP" altLang="en-US" dirty="0">
+                <a:latin typeface="HGP行書体" panose="03000600000000000000" pitchFamily="66" charset="-128"/>
+                <a:ea typeface="HGP行書体" panose="03000600000000000000" pitchFamily="66" charset="-128"/>
+              </a:rPr>
+              <a:t>壁走る</a:t>
+            </a:r>
+          </a:p>
+        </p:txBody>
+      </p:sp>
+      <p:sp>
+        <p:nvSpPr>
+          <p:cNvPr id="25" name="テキスト ボックス 24">
+            <a:extLst>
+              <a:ext uri="{FF2B5EF4-FFF2-40B4-BE49-F238E27FC236}">
+                <a16:creationId xmlns:a16="http://schemas.microsoft.com/office/drawing/2014/main" id="{D566A454-1A98-21BB-46B7-39F15F413BE4}"/>
+              </a:ext>
+            </a:extLst>
+          </p:cNvPr>
+          <p:cNvSpPr txBox="1"/>
+          <p:nvPr/>
+        </p:nvSpPr>
+        <p:spPr>
+          <a:xfrm rot="738174">
+            <a:off x="6887020" y="4820857"/>
+            <a:ext cx="912429" cy="369332"/>
+          </a:xfrm>
+          <a:prstGeom prst="rect">
+            <a:avLst/>
+          </a:prstGeom>
+          <a:noFill/>
+        </p:spPr>
+        <p:txBody>
+          <a:bodyPr wrap="none" rtlCol="0">
+            <a:spAutoFit/>
+          </a:bodyPr>
+          <a:lstStyle/>
+          <a:p>
+            <a:r>
+              <a:rPr kumimoji="1" lang="ja-JP" altLang="en-US" dirty="0">
+                <a:latin typeface="HGP行書体" panose="03000600000000000000" pitchFamily="66" charset="-128"/>
+                <a:ea typeface="HGP行書体" panose="03000600000000000000" pitchFamily="66" charset="-128"/>
+              </a:rPr>
+              <a:t>壁キック</a:t>
+            </a:r>
+          </a:p>
+        </p:txBody>
+      </p:sp>
+      <p:sp>
+        <p:nvSpPr>
+          <p:cNvPr id="27" name="テキスト ボックス 26">
+            <a:extLst>
+              <a:ext uri="{FF2B5EF4-FFF2-40B4-BE49-F238E27FC236}">
+                <a16:creationId xmlns:a16="http://schemas.microsoft.com/office/drawing/2014/main" id="{47810971-60E2-15DA-C340-EB8725E04771}"/>
+              </a:ext>
+            </a:extLst>
+          </p:cNvPr>
+          <p:cNvSpPr txBox="1"/>
+          <p:nvPr/>
+        </p:nvSpPr>
+        <p:spPr>
+          <a:xfrm rot="21382777">
+            <a:off x="3920229" y="2829470"/>
+            <a:ext cx="4344459" cy="400110"/>
+          </a:xfrm>
+          <a:prstGeom prst="rect">
+            <a:avLst/>
+          </a:prstGeom>
+          <a:noFill/>
+        </p:spPr>
+        <p:txBody>
+          <a:bodyPr wrap="none" rtlCol="0">
+            <a:spAutoFit/>
+          </a:bodyPr>
+          <a:lstStyle/>
+          <a:p>
+            <a:r>
+              <a:rPr lang="ja-JP" altLang="en-US" sz="2000" dirty="0">
+                <a:latin typeface="HGP行書体" panose="03000600000000000000" pitchFamily="66" charset="-128"/>
+                <a:ea typeface="HGP行書体" panose="03000600000000000000" pitchFamily="66" charset="-128"/>
+              </a:rPr>
+              <a:t>攻撃されたら身代わりの術のチャンス！！</a:t>
+            </a:r>
+            <a:endParaRPr kumimoji="1" lang="ja-JP" altLang="en-US" sz="2000" dirty="0">
+              <a:latin typeface="HGP行書体" panose="03000600000000000000" pitchFamily="66" charset="-128"/>
+              <a:ea typeface="HGP行書体" panose="03000600000000000000" pitchFamily="66" charset="-128"/>
+            </a:endParaRPr>
+          </a:p>
+        </p:txBody>
+      </p:sp>
+      <p:pic>
+        <p:nvPicPr>
+          <p:cNvPr id="1026" name="Picture 2">
+            <a:extLst>
+              <a:ext uri="{FF2B5EF4-FFF2-40B4-BE49-F238E27FC236}">
+                <a16:creationId xmlns:a16="http://schemas.microsoft.com/office/drawing/2014/main" id="{2AB5222D-3A4B-916D-8F0F-76F42F2BB704}"/>
+              </a:ext>
+            </a:extLst>
+          </p:cNvPr>
+          <p:cNvPicPr>
+            <a:picLocks noChangeAspect="1" noChangeArrowheads="1"/>
+          </p:cNvPicPr>
+          <p:nvPr/>
+        </p:nvPicPr>
+        <p:blipFill>
+          <a:blip r:embed="rId2">
+            <a:extLst>
+              <a:ext uri="{28A0092B-C50C-407E-A947-70E740481C1C}">
+                <a14:useLocalDpi xmlns:a14="http://schemas.microsoft.com/office/drawing/2010/main" val="0"/>
+              </a:ext>
+            </a:extLst>
+          </a:blip>
+          <a:srcRect/>
+          <a:stretch>
+            <a:fillRect/>
+          </a:stretch>
+        </p:blipFill>
+        <p:spPr bwMode="auto">
+          <a:xfrm>
+            <a:off x="5082493" y="5160633"/>
+            <a:ext cx="2134734" cy="1200786"/>
+          </a:xfrm>
+          <a:prstGeom prst="rect">
+            <a:avLst/>
+          </a:prstGeom>
+          <a:noFill/>
+          <a:extLst>
+            <a:ext uri="{909E8E84-426E-40DD-AFC4-6F175D3DCCD1}">
+              <a14:hiddenFill xmlns:a14="http://schemas.microsoft.com/office/drawing/2010/main">
+                <a:solidFill>
+                  <a:srgbClr val="FFFFFF"/>
+                </a:solidFill>
+              </a14:hiddenFill>
+            </a:ext>
+          </a:extLst>
+        </p:spPr>
+      </p:pic>
+      <p:pic>
+        <p:nvPicPr>
+          <p:cNvPr id="1028" name="Picture 4">
+            <a:extLst>
+              <a:ext uri="{FF2B5EF4-FFF2-40B4-BE49-F238E27FC236}">
+                <a16:creationId xmlns:a16="http://schemas.microsoft.com/office/drawing/2014/main" id="{C45A7BEB-1306-BBB9-DE8A-D884C350A47C}"/>
+              </a:ext>
+            </a:extLst>
+          </p:cNvPr>
+          <p:cNvPicPr>
+            <a:picLocks noChangeAspect="1" noChangeArrowheads="1"/>
+          </p:cNvPicPr>
+          <p:nvPr/>
+        </p:nvPicPr>
+        <p:blipFill>
+          <a:blip r:embed="rId3">
+            <a:extLst>
+              <a:ext uri="{28A0092B-C50C-407E-A947-70E740481C1C}">
+                <a14:useLocalDpi xmlns:a14="http://schemas.microsoft.com/office/drawing/2010/main" val="0"/>
+              </a:ext>
+            </a:extLst>
+          </a:blip>
+          <a:srcRect/>
+          <a:stretch>
+            <a:fillRect/>
+          </a:stretch>
+        </p:blipFill>
+        <p:spPr bwMode="auto">
+          <a:xfrm rot="442292">
+            <a:off x="103678" y="2802686"/>
+            <a:ext cx="3244695" cy="1825141"/>
+          </a:xfrm>
+          <a:prstGeom prst="rect">
+            <a:avLst/>
+          </a:prstGeom>
+          <a:noFill/>
+          <a:extLst>
+            <a:ext uri="{909E8E84-426E-40DD-AFC4-6F175D3DCCD1}">
+              <a14:hiddenFill xmlns:a14="http://schemas.microsoft.com/office/drawing/2010/main">
+                <a:solidFill>
+                  <a:srgbClr val="FFFFFF"/>
+                </a:solidFill>
+              </a14:hiddenFill>
+            </a:ext>
+          </a:extLst>
+        </p:spPr>
+      </p:pic>
+      <p:sp>
+        <p:nvSpPr>
+          <p:cNvPr id="29" name="テキスト ボックス 28">
+            <a:extLst>
+              <a:ext uri="{FF2B5EF4-FFF2-40B4-BE49-F238E27FC236}">
+                <a16:creationId xmlns:a16="http://schemas.microsoft.com/office/drawing/2014/main" id="{5265A67F-81E6-2802-1316-95FF40CF15B7}"/>
+              </a:ext>
+            </a:extLst>
+          </p:cNvPr>
+          <p:cNvSpPr txBox="1"/>
+          <p:nvPr/>
+        </p:nvSpPr>
+        <p:spPr>
+          <a:xfrm rot="358706">
+            <a:off x="3215162" y="1487004"/>
+            <a:ext cx="2103461" cy="369332"/>
+          </a:xfrm>
+          <a:prstGeom prst="rect">
+            <a:avLst/>
+          </a:prstGeom>
+          <a:noFill/>
+        </p:spPr>
+        <p:txBody>
+          <a:bodyPr wrap="none" rtlCol="0">
+            <a:spAutoFit/>
+          </a:bodyPr>
+          <a:lstStyle/>
+          <a:p>
+            <a:r>
+              <a:rPr kumimoji="1" lang="ja-JP" altLang="en-US" dirty="0">
+                <a:latin typeface="HGP行書体" panose="03000600000000000000" pitchFamily="66" charset="-128"/>
+                <a:ea typeface="HGP行書体" panose="03000600000000000000" pitchFamily="66" charset="-128"/>
+              </a:rPr>
+              <a:t>アドレナリン全開！！</a:t>
+            </a:r>
+          </a:p>
+        </p:txBody>
+      </p:sp>
+      <p:sp>
+        <p:nvSpPr>
+          <p:cNvPr id="30" name="テキスト ボックス 29">
+            <a:extLst>
+              <a:ext uri="{FF2B5EF4-FFF2-40B4-BE49-F238E27FC236}">
+                <a16:creationId xmlns:a16="http://schemas.microsoft.com/office/drawing/2014/main" id="{26A41DBB-0FCD-7B01-2003-15E6CB020A58}"/>
+              </a:ext>
+            </a:extLst>
+          </p:cNvPr>
+          <p:cNvSpPr txBox="1"/>
+          <p:nvPr/>
+        </p:nvSpPr>
+        <p:spPr>
+          <a:xfrm rot="21139393">
+            <a:off x="17292" y="5251543"/>
+            <a:ext cx="4902304" cy="1200329"/>
+          </a:xfrm>
+          <a:prstGeom prst="rect">
+            <a:avLst/>
+          </a:prstGeom>
+          <a:noFill/>
+        </p:spPr>
+        <p:txBody>
+          <a:bodyPr wrap="none" rtlCol="0">
+            <a:spAutoFit/>
+          </a:bodyPr>
+          <a:lstStyle/>
+          <a:p>
+            <a:r>
+              <a:rPr kumimoji="1" lang="ja-JP" altLang="en-US" sz="3600" dirty="0">
+                <a:latin typeface="HGP行書体" panose="03000600000000000000" pitchFamily="66" charset="-128"/>
+                <a:ea typeface="HGP行書体" panose="03000600000000000000" pitchFamily="66" charset="-128"/>
+              </a:rPr>
+              <a:t>コンボを決めまくると</a:t>
+            </a:r>
+            <a:endParaRPr lang="en-US" altLang="ja-JP" sz="3600" dirty="0">
+              <a:latin typeface="HGP行書体" panose="03000600000000000000" pitchFamily="66" charset="-128"/>
+              <a:ea typeface="HGP行書体" panose="03000600000000000000" pitchFamily="66" charset="-128"/>
+            </a:endParaRPr>
+          </a:p>
+          <a:p>
+            <a:r>
+              <a:rPr kumimoji="1" lang="ja-JP" altLang="en-US" sz="3600" dirty="0">
+                <a:latin typeface="HGP行書体" panose="03000600000000000000" pitchFamily="66" charset="-128"/>
+                <a:ea typeface="HGP行書体" panose="03000600000000000000" pitchFamily="66" charset="-128"/>
+              </a:rPr>
+              <a:t>　　忍術の強化に繋がる</a:t>
+            </a:r>
+            <a:r>
+              <a:rPr kumimoji="1" lang="en-US" altLang="ja-JP" sz="3600" dirty="0">
+                <a:latin typeface="HGP行書体" panose="03000600000000000000" pitchFamily="66" charset="-128"/>
+                <a:ea typeface="HGP行書体" panose="03000600000000000000" pitchFamily="66" charset="-128"/>
+              </a:rPr>
+              <a:t>!!</a:t>
+            </a:r>
+          </a:p>
+        </p:txBody>
+      </p:sp>
+      <p:sp>
+        <p:nvSpPr>
+          <p:cNvPr id="31" name="テキスト ボックス 30">
+            <a:extLst>
+              <a:ext uri="{FF2B5EF4-FFF2-40B4-BE49-F238E27FC236}">
+                <a16:creationId xmlns:a16="http://schemas.microsoft.com/office/drawing/2014/main" id="{A7A11F9D-D25E-5FD4-6764-2AC50A2FCBB8}"/>
+              </a:ext>
+            </a:extLst>
+          </p:cNvPr>
+          <p:cNvSpPr txBox="1"/>
+          <p:nvPr/>
+        </p:nvSpPr>
+        <p:spPr>
+          <a:xfrm rot="358706">
+            <a:off x="7009841" y="1097200"/>
+            <a:ext cx="1284326" cy="584775"/>
+          </a:xfrm>
+          <a:prstGeom prst="rect">
+            <a:avLst/>
+          </a:prstGeom>
+          <a:noFill/>
+        </p:spPr>
+        <p:txBody>
+          <a:bodyPr wrap="none" rtlCol="0">
+            <a:spAutoFit/>
+          </a:bodyPr>
+          <a:lstStyle/>
+          <a:p>
+            <a:r>
+              <a:rPr lang="ja-JP" altLang="en-US" sz="3200" dirty="0">
+                <a:latin typeface="HGP行書体" panose="03000600000000000000" pitchFamily="66" charset="-128"/>
+                <a:ea typeface="HGP行書体" panose="03000600000000000000" pitchFamily="66" charset="-128"/>
+              </a:rPr>
+              <a:t>攻と避</a:t>
+            </a:r>
+            <a:endParaRPr kumimoji="1" lang="ja-JP" altLang="en-US" sz="3200" dirty="0">
+              <a:latin typeface="HGP行書体" panose="03000600000000000000" pitchFamily="66" charset="-128"/>
+              <a:ea typeface="HGP行書体" panose="03000600000000000000" pitchFamily="66" charset="-128"/>
+            </a:endParaRPr>
+          </a:p>
+        </p:txBody>
+      </p:sp>
+    </p:spTree>
+    <p:extLst>
+      <p:ext uri="{BB962C8B-B14F-4D97-AF65-F5344CB8AC3E}">
+        <p14:creationId xmlns:p14="http://schemas.microsoft.com/office/powerpoint/2010/main" val="1718523037"/>
+      </p:ext>
+    </p:extLst>
+  </p:cSld>
+  <p:clrMapOvr>
+    <a:masterClrMapping/>
+  </p:clrMapOvr>
+</p:sld>
+</file>
+
+<file path=ppt/slides/slide2.xml><?xml version="1.0" encoding="utf-8"?>
+<p:sld xmlns:a="http://schemas.openxmlformats.org/drawingml/2006/main" xmlns:r="http://schemas.openxmlformats.org/officeDocument/2006/relationships" xmlns:p="http://schemas.openxmlformats.org/presentationml/2006/main">
+  <p:cSld>
+    <p:spTree>
+      <p:nvGrpSpPr>
+        <p:cNvPr id="1" name=""/>
+        <p:cNvGrpSpPr/>
+        <p:nvPr/>
+      </p:nvGrpSpPr>
+      <p:grpSpPr>
+        <a:xfrm>
+          <a:off x="0" y="0"/>
+          <a:ext cx="0" cy="0"/>
+          <a:chOff x="0" y="0"/>
+          <a:chExt cx="0" cy="0"/>
+        </a:xfrm>
+      </p:grpSpPr>
+      <p:sp>
+        <p:nvSpPr>
+          <p:cNvPr id="4" name="テキスト ボックス 3">
+            <a:extLst>
+              <a:ext uri="{FF2B5EF4-FFF2-40B4-BE49-F238E27FC236}">
+                <a16:creationId xmlns:a16="http://schemas.microsoft.com/office/drawing/2014/main" id="{AD9E726C-4561-73EE-1301-E084AE81D0B9}"/>
               </a:ext>
             </a:extLst>
           </p:cNvPr>
@@ -3646,10 +4356,10 @@
       </p:sp>
       <p:sp>
         <p:nvSpPr>
-          <p:cNvPr id="6" name="テキスト ボックス 5">
-            <a:extLst>
-              <a:ext uri="{FF2B5EF4-FFF2-40B4-BE49-F238E27FC236}">
-                <a16:creationId xmlns:a16="http://schemas.microsoft.com/office/drawing/2014/main" id="{2144BD4A-9CB1-C3A5-6510-63ED23029513}"/>
+          <p:cNvPr id="5" name="テキスト ボックス 4">
+            <a:extLst>
+              <a:ext uri="{FF2B5EF4-FFF2-40B4-BE49-F238E27FC236}">
+                <a16:creationId xmlns:a16="http://schemas.microsoft.com/office/drawing/2014/main" id="{D6B7E3C5-348A-2E26-D62A-939E05F0A03C}"/>
               </a:ext>
             </a:extLst>
           </p:cNvPr>
@@ -3704,10 +4414,10 @@
       </p:sp>
       <p:sp>
         <p:nvSpPr>
-          <p:cNvPr id="7" name="テキスト ボックス 6">
-            <a:extLst>
-              <a:ext uri="{FF2B5EF4-FFF2-40B4-BE49-F238E27FC236}">
-                <a16:creationId xmlns:a16="http://schemas.microsoft.com/office/drawing/2014/main" id="{CD5A8CBD-AFB6-D1D4-C591-BCDD67A4B125}"/>
+          <p:cNvPr id="6" name="テキスト ボックス 5">
+            <a:extLst>
+              <a:ext uri="{FF2B5EF4-FFF2-40B4-BE49-F238E27FC236}">
+                <a16:creationId xmlns:a16="http://schemas.microsoft.com/office/drawing/2014/main" id="{3CC57529-F5DB-5508-C17D-25E9B4B4694F}"/>
               </a:ext>
             </a:extLst>
           </p:cNvPr>
@@ -3752,10 +4462,10 @@
       </p:sp>
       <p:sp>
         <p:nvSpPr>
-          <p:cNvPr id="8" name="テキスト ボックス 7">
-            <a:extLst>
-              <a:ext uri="{FF2B5EF4-FFF2-40B4-BE49-F238E27FC236}">
-                <a16:creationId xmlns:a16="http://schemas.microsoft.com/office/drawing/2014/main" id="{37C15436-F9F5-BA60-6772-092F8D157ED0}"/>
+          <p:cNvPr id="7" name="テキスト ボックス 6">
+            <a:extLst>
+              <a:ext uri="{FF2B5EF4-FFF2-40B4-BE49-F238E27FC236}">
+                <a16:creationId xmlns:a16="http://schemas.microsoft.com/office/drawing/2014/main" id="{CF668B02-19A0-0A37-0496-E7642F051925}"/>
               </a:ext>
             </a:extLst>
           </p:cNvPr>
@@ -3764,7 +4474,7 @@
         </p:nvSpPr>
         <p:spPr>
           <a:xfrm>
-            <a:off x="7285079" y="4322972"/>
+            <a:off x="8036552" y="4244193"/>
             <a:ext cx="1569660" cy="369332"/>
           </a:xfrm>
           <a:prstGeom prst="rect">
@@ -3788,10 +4498,10 @@
       </p:sp>
       <p:sp>
         <p:nvSpPr>
-          <p:cNvPr id="9" name="テキスト ボックス 8">
-            <a:extLst>
-              <a:ext uri="{FF2B5EF4-FFF2-40B4-BE49-F238E27FC236}">
-                <a16:creationId xmlns:a16="http://schemas.microsoft.com/office/drawing/2014/main" id="{9A4E450C-0AA7-B9FF-2784-AE27B99E225C}"/>
+          <p:cNvPr id="8" name="テキスト ボックス 7">
+            <a:extLst>
+              <a:ext uri="{FF2B5EF4-FFF2-40B4-BE49-F238E27FC236}">
+                <a16:creationId xmlns:a16="http://schemas.microsoft.com/office/drawing/2014/main" id="{7ABD79F1-7F03-F984-5F1A-386E92CE7BE5}"/>
               </a:ext>
             </a:extLst>
           </p:cNvPr>
@@ -3800,8 +4510,8 @@
         </p:nvSpPr>
         <p:spPr>
           <a:xfrm>
-            <a:off x="5538447" y="2222974"/>
-            <a:ext cx="3493264" cy="369332"/>
+            <a:off x="1357764" y="5677937"/>
+            <a:ext cx="9868407" cy="646331"/>
           </a:xfrm>
           <a:prstGeom prst="rect">
             <a:avLst/>
@@ -3815,31 +4525,60 @@
           <a:lstStyle/>
           <a:p>
             <a:r>
-              <a:rPr kumimoji="1" lang="ja-JP" altLang="en-US" dirty="0"/>
-              <a:t>デビルメイクライカメラ</a:t>
-            </a:r>
-            <a:r>
-              <a:rPr kumimoji="1" lang="en-US" altLang="ja-JP" dirty="0"/>
-              <a:t>(5</a:t>
-            </a:r>
-            <a:r>
-              <a:rPr kumimoji="1" lang="ja-JP" altLang="en-US" dirty="0"/>
-              <a:t>準拠</a:t>
-            </a:r>
-            <a:r>
-              <a:rPr kumimoji="1" lang="en-US" altLang="ja-JP" dirty="0"/>
-              <a:t>)</a:t>
-            </a:r>
-            <a:endParaRPr kumimoji="1" lang="ja-JP" altLang="en-US" dirty="0"/>
-          </a:p>
-        </p:txBody>
-      </p:sp>
-      <p:sp>
-        <p:nvSpPr>
-          <p:cNvPr id="10" name="テキスト ボックス 9">
-            <a:extLst>
-              <a:ext uri="{FF2B5EF4-FFF2-40B4-BE49-F238E27FC236}">
-                <a16:creationId xmlns:a16="http://schemas.microsoft.com/office/drawing/2014/main" id="{AC0850B1-F18A-5F5A-8204-215AEBEF678A}"/>
+              <a:rPr kumimoji="1" lang="ja-JP" altLang="en-US" sz="3600" dirty="0">
+                <a:latin typeface="HGP行書体" panose="03000600000000000000" pitchFamily="66" charset="-128"/>
+                <a:ea typeface="HGP行書体" panose="03000600000000000000" pitchFamily="66" charset="-128"/>
+              </a:rPr>
+              <a:t>下町フェーズ </a:t>
+            </a:r>
+            <a:r>
+              <a:rPr lang="ja-JP" altLang="en-US" sz="3600" dirty="0">
+                <a:latin typeface="HGP行書体" panose="03000600000000000000" pitchFamily="66" charset="-128"/>
+                <a:ea typeface="HGP行書体" panose="03000600000000000000" pitchFamily="66" charset="-128"/>
+              </a:rPr>
+              <a:t>→</a:t>
+            </a:r>
+            <a:r>
+              <a:rPr kumimoji="1" lang="en-US" altLang="ja-JP" sz="3600" dirty="0">
+                <a:latin typeface="HGP行書体" panose="03000600000000000000" pitchFamily="66" charset="-128"/>
+                <a:ea typeface="HGP行書体" panose="03000600000000000000" pitchFamily="66" charset="-128"/>
+              </a:rPr>
+              <a:t> </a:t>
+            </a:r>
+            <a:r>
+              <a:rPr lang="ja-JP" altLang="en-US" sz="3600" dirty="0">
+                <a:latin typeface="HGP行書体" panose="03000600000000000000" pitchFamily="66" charset="-128"/>
+                <a:ea typeface="HGP行書体" panose="03000600000000000000" pitchFamily="66" charset="-128"/>
+              </a:rPr>
+              <a:t>竹林フェーズ →</a:t>
+            </a:r>
+            <a:r>
+              <a:rPr lang="en-US" altLang="ja-JP" sz="3600" dirty="0">
+                <a:latin typeface="HGP行書体" panose="03000600000000000000" pitchFamily="66" charset="-128"/>
+                <a:ea typeface="HGP行書体" panose="03000600000000000000" pitchFamily="66" charset="-128"/>
+              </a:rPr>
+              <a:t> </a:t>
+            </a:r>
+            <a:r>
+              <a:rPr lang="ja-JP" altLang="en-US" sz="3600" dirty="0">
+                <a:latin typeface="HGP行書体" panose="03000600000000000000" pitchFamily="66" charset="-128"/>
+                <a:ea typeface="HGP行書体" panose="03000600000000000000" pitchFamily="66" charset="-128"/>
+              </a:rPr>
+              <a:t>妖怪の山フェーズ</a:t>
+            </a:r>
+            <a:endParaRPr kumimoji="1" lang="ja-JP" altLang="en-US" sz="3600" dirty="0">
+              <a:latin typeface="HGP行書体" panose="03000600000000000000" pitchFamily="66" charset="-128"/>
+              <a:ea typeface="HGP行書体" panose="03000600000000000000" pitchFamily="66" charset="-128"/>
+            </a:endParaRPr>
+          </a:p>
+        </p:txBody>
+      </p:sp>
+      <p:sp>
+        <p:nvSpPr>
+          <p:cNvPr id="9" name="テキスト ボックス 8">
+            <a:extLst>
+              <a:ext uri="{FF2B5EF4-FFF2-40B4-BE49-F238E27FC236}">
+                <a16:creationId xmlns:a16="http://schemas.microsoft.com/office/drawing/2014/main" id="{92CC118F-818C-6FF0-0084-7E9AE8718929}"/>
               </a:ext>
             </a:extLst>
           </p:cNvPr>
@@ -3847,9 +4586,9 @@
           <p:nvPr/>
         </p:nvSpPr>
         <p:spPr>
-          <a:xfrm>
-            <a:off x="8036552" y="2551400"/>
-            <a:ext cx="2593980" cy="769441"/>
+          <a:xfrm rot="21208518">
+            <a:off x="220688" y="5453630"/>
+            <a:ext cx="4033476" cy="338554"/>
           </a:xfrm>
           <a:prstGeom prst="rect">
             <a:avLst/>
@@ -3863,35 +4602,25 @@
           <a:lstStyle/>
           <a:p>
             <a:r>
-              <a:rPr kumimoji="1" lang="ja-JP" altLang="en-US" sz="4400" dirty="0">
+              <a:rPr lang="ja-JP" altLang="en-US" sz="1600" dirty="0">
                 <a:latin typeface="HGP行書体" panose="03000600000000000000" pitchFamily="66" charset="-128"/>
                 <a:ea typeface="HGP行書体" panose="03000600000000000000" pitchFamily="66" charset="-128"/>
               </a:rPr>
-              <a:t>刀</a:t>
-            </a:r>
-            <a:r>
-              <a:rPr kumimoji="1" lang="en-US" altLang="ja-JP" sz="4400" dirty="0">
-                <a:latin typeface="HGP行書体" panose="03000600000000000000" pitchFamily="66" charset="-128"/>
-                <a:ea typeface="HGP行書体" panose="03000600000000000000" pitchFamily="66" charset="-128"/>
-              </a:rPr>
-              <a:t>×</a:t>
-            </a:r>
-            <a:r>
-              <a:rPr kumimoji="1" lang="ja-JP" altLang="en-US" sz="4400" dirty="0">
-                <a:latin typeface="HGP行書体" panose="03000600000000000000" pitchFamily="66" charset="-128"/>
-                <a:ea typeface="HGP行書体" panose="03000600000000000000" pitchFamily="66" charset="-128"/>
-              </a:rPr>
-              <a:t>クナイ</a:t>
-            </a:r>
-          </a:p>
-        </p:txBody>
-      </p:sp>
-      <p:sp>
-        <p:nvSpPr>
-          <p:cNvPr id="11" name="テキスト ボックス 10">
-            <a:extLst>
-              <a:ext uri="{FF2B5EF4-FFF2-40B4-BE49-F238E27FC236}">
-                <a16:creationId xmlns:a16="http://schemas.microsoft.com/office/drawing/2014/main" id="{B38710F5-4FE6-22EC-8DB4-8B0CE37EC117}"/>
+              <a:t>お化け提灯 唐笠お化け 一つ目小僧 ろくろ首</a:t>
+            </a:r>
+            <a:endParaRPr kumimoji="1" lang="ja-JP" altLang="en-US" sz="1600" dirty="0">
+              <a:latin typeface="HGP行書体" panose="03000600000000000000" pitchFamily="66" charset="-128"/>
+              <a:ea typeface="HGP行書体" panose="03000600000000000000" pitchFamily="66" charset="-128"/>
+            </a:endParaRPr>
+          </a:p>
+        </p:txBody>
+      </p:sp>
+      <p:sp>
+        <p:nvSpPr>
+          <p:cNvPr id="10" name="テキスト ボックス 9">
+            <a:extLst>
+              <a:ext uri="{FF2B5EF4-FFF2-40B4-BE49-F238E27FC236}">
+                <a16:creationId xmlns:a16="http://schemas.microsoft.com/office/drawing/2014/main" id="{AE6A6E61-838F-9B48-324F-EC50E78EC6CA}"/>
               </a:ext>
             </a:extLst>
           </p:cNvPr>
@@ -3899,9 +4628,9 @@
           <p:nvPr/>
         </p:nvSpPr>
         <p:spPr>
-          <a:xfrm>
-            <a:off x="3870871" y="3120488"/>
-            <a:ext cx="4450257" cy="923330"/>
+          <a:xfrm rot="21399581">
+            <a:off x="4212390" y="6161664"/>
+            <a:ext cx="3100529" cy="369332"/>
           </a:xfrm>
           <a:prstGeom prst="rect">
             <a:avLst/>
@@ -3915,21 +4644,25 @@
           <a:lstStyle/>
           <a:p>
             <a:r>
-              <a:rPr lang="ja-JP" altLang="en-US" sz="5400" dirty="0">
+              <a:rPr lang="ja-JP" altLang="en-US" dirty="0">
                 <a:latin typeface="HGP行書体" panose="03000600000000000000" pitchFamily="66" charset="-128"/>
                 <a:ea typeface="HGP行書体" panose="03000600000000000000" pitchFamily="66" charset="-128"/>
               </a:rPr>
-              <a:t>わびるめいくらい</a:t>
-            </a:r>
-          </a:p>
-        </p:txBody>
-      </p:sp>
-      <p:sp>
-        <p:nvSpPr>
-          <p:cNvPr id="12" name="テキスト ボックス 11">
-            <a:extLst>
-              <a:ext uri="{FF2B5EF4-FFF2-40B4-BE49-F238E27FC236}">
-                <a16:creationId xmlns:a16="http://schemas.microsoft.com/office/drawing/2014/main" id="{6886A5A8-29D3-0FBC-544E-B0CFAA26FA7F}"/>
+              <a:t>猫叉 犬夜叉 九尾 狼 不死鳥</a:t>
+            </a:r>
+            <a:endParaRPr kumimoji="1" lang="ja-JP" altLang="en-US" dirty="0">
+              <a:latin typeface="HGP行書体" panose="03000600000000000000" pitchFamily="66" charset="-128"/>
+              <a:ea typeface="HGP行書体" panose="03000600000000000000" pitchFamily="66" charset="-128"/>
+            </a:endParaRPr>
+          </a:p>
+        </p:txBody>
+      </p:sp>
+      <p:sp>
+        <p:nvSpPr>
+          <p:cNvPr id="11" name="テキスト ボックス 10">
+            <a:extLst>
+              <a:ext uri="{FF2B5EF4-FFF2-40B4-BE49-F238E27FC236}">
+                <a16:creationId xmlns:a16="http://schemas.microsoft.com/office/drawing/2014/main" id="{52395446-65E7-9B9F-B5A6-F151B657D734}"/>
               </a:ext>
             </a:extLst>
           </p:cNvPr>
@@ -3937,9 +4670,9 @@
           <p:nvPr/>
         </p:nvSpPr>
         <p:spPr>
-          <a:xfrm rot="21026471">
-            <a:off x="797300" y="964292"/>
-            <a:ext cx="3130985" cy="923330"/>
+          <a:xfrm rot="520574">
+            <a:off x="8757993" y="5398695"/>
+            <a:ext cx="3118161" cy="369332"/>
           </a:xfrm>
           <a:prstGeom prst="rect">
             <a:avLst/>
@@ -3953,28 +4686,25 @@
           <a:lstStyle/>
           <a:p>
             <a:r>
-              <a:rPr lang="ja-JP" altLang="en-US" sz="5400" dirty="0">
+              <a:rPr lang="ja-JP" altLang="en-US" dirty="0">
                 <a:latin typeface="HGP行書体" panose="03000600000000000000" pitchFamily="66" charset="-128"/>
                 <a:ea typeface="HGP行書体" panose="03000600000000000000" pitchFamily="66" charset="-128"/>
               </a:rPr>
-              <a:t>物の怪</a:t>
-            </a:r>
-            <a:r>
-              <a:rPr kumimoji="1" lang="ja-JP" altLang="en-US" sz="4000" dirty="0">
-                <a:latin typeface="HGP行書体" panose="03000600000000000000" pitchFamily="66" charset="-128"/>
-                <a:ea typeface="HGP行書体" panose="03000600000000000000" pitchFamily="66" charset="-128"/>
-              </a:rPr>
-              <a:t>退治</a:t>
-            </a:r>
-          </a:p>
-        </p:txBody>
-      </p:sp>
-      <p:sp>
-        <p:nvSpPr>
-          <p:cNvPr id="13" name="テキスト ボックス 12">
-            <a:extLst>
-              <a:ext uri="{FF2B5EF4-FFF2-40B4-BE49-F238E27FC236}">
-                <a16:creationId xmlns:a16="http://schemas.microsoft.com/office/drawing/2014/main" id="{F1A7BE1E-7B3D-1325-45B3-02CACCD4483D}"/>
+              <a:t>天狗 カラス天狗 八咫烏 鬼 神</a:t>
+            </a:r>
+            <a:endParaRPr kumimoji="1" lang="ja-JP" altLang="en-US" dirty="0">
+              <a:latin typeface="HGP行書体" panose="03000600000000000000" pitchFamily="66" charset="-128"/>
+              <a:ea typeface="HGP行書体" panose="03000600000000000000" pitchFamily="66" charset="-128"/>
+            </a:endParaRPr>
+          </a:p>
+        </p:txBody>
+      </p:sp>
+      <p:sp>
+        <p:nvSpPr>
+          <p:cNvPr id="12" name="テキスト ボックス 11">
+            <a:extLst>
+              <a:ext uri="{FF2B5EF4-FFF2-40B4-BE49-F238E27FC236}">
+                <a16:creationId xmlns:a16="http://schemas.microsoft.com/office/drawing/2014/main" id="{80641C03-24D5-C6C0-FF4A-745C3E08A2D0}"/>
               </a:ext>
             </a:extLst>
           </p:cNvPr>
@@ -3983,45 +4713,7 @@
         </p:nvSpPr>
         <p:spPr>
           <a:xfrm>
-            <a:off x="848133" y="2674510"/>
-            <a:ext cx="3307316" cy="523220"/>
-          </a:xfrm>
-          <a:prstGeom prst="rect">
-            <a:avLst/>
-          </a:prstGeom>
-          <a:noFill/>
-        </p:spPr>
-        <p:txBody>
-          <a:bodyPr wrap="none" rtlCol="0">
-            <a:spAutoFit/>
-          </a:bodyPr>
-          <a:lstStyle/>
-          <a:p>
-            <a:r>
-              <a:rPr kumimoji="1" lang="ja-JP" altLang="en-US" sz="2800" dirty="0">
-                <a:latin typeface="HGP行書体" panose="03000600000000000000" pitchFamily="66" charset="-128"/>
-                <a:ea typeface="HGP行書体" panose="03000600000000000000" pitchFamily="66" charset="-128"/>
-              </a:rPr>
-              <a:t>スタイリッシュアクション</a:t>
-            </a:r>
-          </a:p>
-        </p:txBody>
-      </p:sp>
-      <p:sp>
-        <p:nvSpPr>
-          <p:cNvPr id="14" name="テキスト ボックス 13">
-            <a:extLst>
-              <a:ext uri="{FF2B5EF4-FFF2-40B4-BE49-F238E27FC236}">
-                <a16:creationId xmlns:a16="http://schemas.microsoft.com/office/drawing/2014/main" id="{DA69054B-67BD-38D5-D842-BC2BC3AD1B17}"/>
-              </a:ext>
-            </a:extLst>
-          </p:cNvPr>
-          <p:cNvSpPr txBox="1"/>
-          <p:nvPr/>
-        </p:nvSpPr>
-        <p:spPr>
-          <a:xfrm>
-            <a:off x="430753" y="4138306"/>
+            <a:off x="680575" y="3475605"/>
             <a:ext cx="2962671" cy="369332"/>
           </a:xfrm>
           <a:prstGeom prst="rect">
@@ -4058,10 +4750,10 @@
       </p:sp>
       <p:sp>
         <p:nvSpPr>
-          <p:cNvPr id="15" name="テキスト ボックス 14">
-            <a:extLst>
-              <a:ext uri="{FF2B5EF4-FFF2-40B4-BE49-F238E27FC236}">
-                <a16:creationId xmlns:a16="http://schemas.microsoft.com/office/drawing/2014/main" id="{071B1C18-75FF-DC03-8FB7-4DE649EBC0A6}"/>
+          <p:cNvPr id="13" name="テキスト ボックス 12">
+            <a:extLst>
+              <a:ext uri="{FF2B5EF4-FFF2-40B4-BE49-F238E27FC236}">
+                <a16:creationId xmlns:a16="http://schemas.microsoft.com/office/drawing/2014/main" id="{D7F77021-D27D-03F0-DE67-4329574AEE6E}"/>
               </a:ext>
             </a:extLst>
           </p:cNvPr>
@@ -4070,8 +4762,8 @@
         </p:nvSpPr>
         <p:spPr>
           <a:xfrm>
-            <a:off x="209734" y="5709489"/>
-            <a:ext cx="9868407" cy="646331"/>
+            <a:off x="8192830" y="1011791"/>
+            <a:ext cx="3552576" cy="523220"/>
           </a:xfrm>
           <a:prstGeom prst="rect">
             <a:avLst/>
@@ -4085,184 +4777,33 @@
           <a:lstStyle/>
           <a:p>
             <a:r>
-              <a:rPr kumimoji="1" lang="ja-JP" altLang="en-US" sz="3600" dirty="0">
+              <a:rPr kumimoji="1" lang="ja-JP" altLang="en-US" sz="2800" dirty="0">
                 <a:latin typeface="HGP行書体" panose="03000600000000000000" pitchFamily="66" charset="-128"/>
                 <a:ea typeface="HGP行書体" panose="03000600000000000000" pitchFamily="66" charset="-128"/>
               </a:rPr>
-              <a:t>下町フェーズ </a:t>
-            </a:r>
-            <a:r>
-              <a:rPr lang="ja-JP" altLang="en-US" sz="3600" dirty="0">
+              <a:t>デビルメイクライ</a:t>
+            </a:r>
+            <a:r>
+              <a:rPr kumimoji="1" lang="en-US" altLang="ja-JP" sz="2800" dirty="0">
                 <a:latin typeface="HGP行書体" panose="03000600000000000000" pitchFamily="66" charset="-128"/>
                 <a:ea typeface="HGP行書体" panose="03000600000000000000" pitchFamily="66" charset="-128"/>
               </a:rPr>
-              <a:t>→</a:t>
-            </a:r>
-            <a:r>
-              <a:rPr kumimoji="1" lang="en-US" altLang="ja-JP" sz="3600" dirty="0">
+              <a:t>5</a:t>
+            </a:r>
+            <a:r>
+              <a:rPr kumimoji="1" lang="ja-JP" altLang="en-US" sz="2800" dirty="0">
                 <a:latin typeface="HGP行書体" panose="03000600000000000000" pitchFamily="66" charset="-128"/>
                 <a:ea typeface="HGP行書体" panose="03000600000000000000" pitchFamily="66" charset="-128"/>
               </a:rPr>
-              <a:t> </a:t>
-            </a:r>
-            <a:r>
-              <a:rPr lang="ja-JP" altLang="en-US" sz="3600" dirty="0">
-                <a:latin typeface="HGP行書体" panose="03000600000000000000" pitchFamily="66" charset="-128"/>
-                <a:ea typeface="HGP行書体" panose="03000600000000000000" pitchFamily="66" charset="-128"/>
-              </a:rPr>
-              <a:t>竹林フェーズ →</a:t>
-            </a:r>
-            <a:r>
-              <a:rPr lang="en-US" altLang="ja-JP" sz="3600" dirty="0">
-                <a:latin typeface="HGP行書体" panose="03000600000000000000" pitchFamily="66" charset="-128"/>
-                <a:ea typeface="HGP行書体" panose="03000600000000000000" pitchFamily="66" charset="-128"/>
-              </a:rPr>
-              <a:t> </a:t>
-            </a:r>
-            <a:r>
-              <a:rPr lang="ja-JP" altLang="en-US" sz="3600" dirty="0">
-                <a:latin typeface="HGP行書体" panose="03000600000000000000" pitchFamily="66" charset="-128"/>
-                <a:ea typeface="HGP行書体" panose="03000600000000000000" pitchFamily="66" charset="-128"/>
-              </a:rPr>
-              <a:t>妖怪の山フェーズ</a:t>
-            </a:r>
-            <a:endParaRPr kumimoji="1" lang="ja-JP" altLang="en-US" sz="3600" dirty="0">
-              <a:latin typeface="HGP行書体" panose="03000600000000000000" pitchFamily="66" charset="-128"/>
-              <a:ea typeface="HGP行書体" panose="03000600000000000000" pitchFamily="66" charset="-128"/>
-            </a:endParaRPr>
-          </a:p>
-        </p:txBody>
-      </p:sp>
-      <p:sp>
-        <p:nvSpPr>
-          <p:cNvPr id="16" name="テキスト ボックス 15">
-            <a:extLst>
-              <a:ext uri="{FF2B5EF4-FFF2-40B4-BE49-F238E27FC236}">
-                <a16:creationId xmlns:a16="http://schemas.microsoft.com/office/drawing/2014/main" id="{A672F13C-2021-01A7-8F8A-44B3CD66F452}"/>
-              </a:ext>
-            </a:extLst>
-          </p:cNvPr>
-          <p:cNvSpPr txBox="1"/>
-          <p:nvPr/>
-        </p:nvSpPr>
-        <p:spPr>
-          <a:xfrm rot="20679451">
-            <a:off x="28600" y="5111144"/>
-            <a:ext cx="4033476" cy="338554"/>
-          </a:xfrm>
-          <a:prstGeom prst="rect">
-            <a:avLst/>
-          </a:prstGeom>
-          <a:noFill/>
-        </p:spPr>
-        <p:txBody>
-          <a:bodyPr wrap="none" rtlCol="0">
-            <a:spAutoFit/>
-          </a:bodyPr>
-          <a:lstStyle/>
-          <a:p>
-            <a:r>
-              <a:rPr lang="ja-JP" altLang="en-US" sz="1600" dirty="0">
-                <a:latin typeface="HGP行書体" panose="03000600000000000000" pitchFamily="66" charset="-128"/>
-                <a:ea typeface="HGP行書体" panose="03000600000000000000" pitchFamily="66" charset="-128"/>
-              </a:rPr>
-              <a:t>お化け提灯 唐笠お化け 一つ目小僧 ろくろ首</a:t>
-            </a:r>
-            <a:endParaRPr kumimoji="1" lang="ja-JP" altLang="en-US" sz="1600" dirty="0">
-              <a:latin typeface="HGP行書体" panose="03000600000000000000" pitchFamily="66" charset="-128"/>
-              <a:ea typeface="HGP行書体" panose="03000600000000000000" pitchFamily="66" charset="-128"/>
-            </a:endParaRPr>
-          </a:p>
-        </p:txBody>
-      </p:sp>
-      <p:sp>
-        <p:nvSpPr>
-          <p:cNvPr id="17" name="テキスト ボックス 16">
-            <a:extLst>
-              <a:ext uri="{FF2B5EF4-FFF2-40B4-BE49-F238E27FC236}">
-                <a16:creationId xmlns:a16="http://schemas.microsoft.com/office/drawing/2014/main" id="{04926A04-0D2E-029D-A1CC-576B80C3132D}"/>
-              </a:ext>
-            </a:extLst>
-          </p:cNvPr>
-          <p:cNvSpPr txBox="1"/>
-          <p:nvPr/>
-        </p:nvSpPr>
-        <p:spPr>
-          <a:xfrm rot="21133203">
-            <a:off x="3082388" y="5391466"/>
-            <a:ext cx="3100529" cy="369332"/>
-          </a:xfrm>
-          <a:prstGeom prst="rect">
-            <a:avLst/>
-          </a:prstGeom>
-          <a:noFill/>
-        </p:spPr>
-        <p:txBody>
-          <a:bodyPr wrap="none" rtlCol="0">
-            <a:spAutoFit/>
-          </a:bodyPr>
-          <a:lstStyle/>
-          <a:p>
-            <a:r>
-              <a:rPr lang="ja-JP" altLang="en-US" dirty="0">
-                <a:latin typeface="HGP行書体" panose="03000600000000000000" pitchFamily="66" charset="-128"/>
-                <a:ea typeface="HGP行書体" panose="03000600000000000000" pitchFamily="66" charset="-128"/>
-              </a:rPr>
-              <a:t>猫叉 犬夜叉 九尾 狼 不死鳥</a:t>
-            </a:r>
-            <a:endParaRPr kumimoji="1" lang="ja-JP" altLang="en-US" dirty="0">
-              <a:latin typeface="HGP行書体" panose="03000600000000000000" pitchFamily="66" charset="-128"/>
-              <a:ea typeface="HGP行書体" panose="03000600000000000000" pitchFamily="66" charset="-128"/>
-            </a:endParaRPr>
-          </a:p>
-        </p:txBody>
-      </p:sp>
-      <p:sp>
-        <p:nvSpPr>
-          <p:cNvPr id="18" name="テキスト ボックス 17">
-            <a:extLst>
-              <a:ext uri="{FF2B5EF4-FFF2-40B4-BE49-F238E27FC236}">
-                <a16:creationId xmlns:a16="http://schemas.microsoft.com/office/drawing/2014/main" id="{50CEF8BF-745C-9EEC-77FC-DE96F82D91DC}"/>
-              </a:ext>
-            </a:extLst>
-          </p:cNvPr>
-          <p:cNvSpPr txBox="1"/>
-          <p:nvPr/>
-        </p:nvSpPr>
-        <p:spPr>
-          <a:xfrm rot="520574">
-            <a:off x="6762048" y="6308091"/>
-            <a:ext cx="3118161" cy="369332"/>
-          </a:xfrm>
-          <a:prstGeom prst="rect">
-            <a:avLst/>
-          </a:prstGeom>
-          <a:noFill/>
-        </p:spPr>
-        <p:txBody>
-          <a:bodyPr wrap="none" rtlCol="0">
-            <a:spAutoFit/>
-          </a:bodyPr>
-          <a:lstStyle/>
-          <a:p>
-            <a:r>
-              <a:rPr lang="ja-JP" altLang="en-US" dirty="0">
-                <a:latin typeface="HGP行書体" panose="03000600000000000000" pitchFamily="66" charset="-128"/>
-                <a:ea typeface="HGP行書体" panose="03000600000000000000" pitchFamily="66" charset="-128"/>
-              </a:rPr>
-              <a:t>天狗 カラス天狗 八咫烏 鬼 神</a:t>
-            </a:r>
-            <a:endParaRPr kumimoji="1" lang="ja-JP" altLang="en-US" dirty="0">
-              <a:latin typeface="HGP行書体" panose="03000600000000000000" pitchFamily="66" charset="-128"/>
-              <a:ea typeface="HGP行書体" panose="03000600000000000000" pitchFamily="66" charset="-128"/>
-            </a:endParaRPr>
+              <a:t>のカメラ</a:t>
+            </a:r>
           </a:p>
         </p:txBody>
       </p:sp>
     </p:spTree>
     <p:extLst>
       <p:ext uri="{BB962C8B-B14F-4D97-AF65-F5344CB8AC3E}">
-        <p14:creationId xmlns:p14="http://schemas.microsoft.com/office/powerpoint/2010/main" val="1718523037"/>
+        <p14:creationId xmlns:p14="http://schemas.microsoft.com/office/powerpoint/2010/main" val="653842637"/>
       </p:ext>
     </p:extLst>
   </p:cSld>

--- a/plan/DMC.pptx
+++ b/plan/DMC.pptx
@@ -3002,9 +3002,30 @@
 <p:sldMaster xmlns:a="http://schemas.openxmlformats.org/drawingml/2006/main" xmlns:r="http://schemas.openxmlformats.org/officeDocument/2006/relationships" xmlns:p="http://schemas.openxmlformats.org/presentationml/2006/main">
   <p:cSld>
     <p:bg>
-      <p:bgRef idx="1001">
-        <a:schemeClr val="bg1"/>
-      </p:bgRef>
+      <p:bgPr>
+        <a:gradFill flip="none" rotWithShape="1">
+          <a:gsLst>
+            <a:gs pos="0">
+              <a:schemeClr val="tx1"/>
+            </a:gs>
+            <a:gs pos="74000">
+              <a:srgbClr val="990000"/>
+            </a:gs>
+            <a:gs pos="83000">
+              <a:srgbClr val="C00000"/>
+            </a:gs>
+            <a:gs pos="100000">
+              <a:schemeClr val="tx1">
+                <a:lumMod val="65000"/>
+                <a:lumOff val="35000"/>
+              </a:schemeClr>
+            </a:gs>
+          </a:gsLst>
+          <a:lin ang="5400000" scaled="1"/>
+          <a:tileRect/>
+        </a:gradFill>
+        <a:effectLst/>
+      </p:bgPr>
     </p:bg>
     <p:spTree>
       <p:nvGrpSpPr>
@@ -3601,6 +3622,14 @@
 <file path=ppt/slides/slide1.xml><?xml version="1.0" encoding="utf-8"?>
 <p:sld xmlns:a="http://schemas.openxmlformats.org/drawingml/2006/main" xmlns:r="http://schemas.openxmlformats.org/officeDocument/2006/relationships" xmlns:p="http://schemas.openxmlformats.org/presentationml/2006/main">
   <p:cSld>
+    <p:bg>
+      <p:bgPr>
+        <a:solidFill>
+          <a:schemeClr val="tx1"/>
+        </a:solidFill>
+        <a:effectLst/>
+      </p:bgPr>
+    </p:bg>
     <p:spTree>
       <p:nvGrpSpPr>
         <p:cNvPr id="1" name=""/>
@@ -3615,454 +3644,186 @@
           <a:chExt cx="0" cy="0"/>
         </a:xfrm>
       </p:grpSpPr>
-      <p:sp>
-        <p:nvSpPr>
-          <p:cNvPr id="11" name="テキスト ボックス 10">
-            <a:extLst>
-              <a:ext uri="{FF2B5EF4-FFF2-40B4-BE49-F238E27FC236}">
-                <a16:creationId xmlns:a16="http://schemas.microsoft.com/office/drawing/2014/main" id="{B38710F5-4FE6-22EC-8DB4-8B0CE37EC117}"/>
-              </a:ext>
-            </a:extLst>
-          </p:cNvPr>
-          <p:cNvSpPr txBox="1"/>
+      <p:pic>
+        <p:nvPicPr>
+          <p:cNvPr id="18" name="図 17">
+            <a:extLst>
+              <a:ext uri="{FF2B5EF4-FFF2-40B4-BE49-F238E27FC236}">
+                <a16:creationId xmlns:a16="http://schemas.microsoft.com/office/drawing/2014/main" id="{4ABFBE0B-1FB5-4842-BEDD-3698AE84FA8E}"/>
+              </a:ext>
+            </a:extLst>
+          </p:cNvPr>
+          <p:cNvPicPr>
+            <a:picLocks noChangeAspect="1"/>
+          </p:cNvPicPr>
           <p:nvPr/>
-        </p:nvSpPr>
+        </p:nvPicPr>
+        <p:blipFill>
+          <a:blip r:embed="rId2">
+            <a:extLst>
+              <a:ext uri="{28A0092B-C50C-407E-A947-70E740481C1C}">
+                <a14:useLocalDpi xmlns:a14="http://schemas.microsoft.com/office/drawing/2010/main" val="0"/>
+              </a:ext>
+            </a:extLst>
+          </a:blip>
+          <a:stretch>
+            <a:fillRect/>
+          </a:stretch>
+        </p:blipFill>
         <p:spPr>
           <a:xfrm>
-            <a:off x="3451845" y="-103201"/>
-            <a:ext cx="5396029" cy="1107996"/>
+            <a:off x="1056289" y="1518017"/>
+            <a:ext cx="2896924" cy="2051511"/>
           </a:xfrm>
           <a:prstGeom prst="rect">
             <a:avLst/>
           </a:prstGeom>
-          <a:noFill/>
+          <a:effectLst>
+            <a:glow rad="342900">
+              <a:schemeClr val="bg2">
+                <a:alpha val="67000"/>
+              </a:schemeClr>
+            </a:glow>
+          </a:effectLst>
         </p:spPr>
-        <p:txBody>
-          <a:bodyPr wrap="none" rtlCol="0">
-            <a:spAutoFit/>
-          </a:bodyPr>
-          <a:lstStyle/>
-          <a:p>
-            <a:r>
-              <a:rPr lang="ja-JP" altLang="en-US" sz="6600" dirty="0">
-                <a:latin typeface="HGP行書体" panose="03000600000000000000" pitchFamily="66" charset="-128"/>
-                <a:ea typeface="HGP行書体" panose="03000600000000000000" pitchFamily="66" charset="-128"/>
-              </a:rPr>
-              <a:t>わびるめいくらい</a:t>
-            </a:r>
-          </a:p>
-        </p:txBody>
-      </p:sp>
-      <p:sp>
-        <p:nvSpPr>
-          <p:cNvPr id="12" name="テキスト ボックス 11">
-            <a:extLst>
-              <a:ext uri="{FF2B5EF4-FFF2-40B4-BE49-F238E27FC236}">
-                <a16:creationId xmlns:a16="http://schemas.microsoft.com/office/drawing/2014/main" id="{6886A5A8-29D3-0FBC-544E-B0CFAA26FA7F}"/>
-              </a:ext>
-            </a:extLst>
-          </p:cNvPr>
-          <p:cNvSpPr txBox="1"/>
+      </p:pic>
+      <p:pic>
+        <p:nvPicPr>
+          <p:cNvPr id="33" name="図 32">
+            <a:extLst>
+              <a:ext uri="{FF2B5EF4-FFF2-40B4-BE49-F238E27FC236}">
+                <a16:creationId xmlns:a16="http://schemas.microsoft.com/office/drawing/2014/main" id="{8454615C-0831-47FD-B08C-5840D9FAACD3}"/>
+              </a:ext>
+            </a:extLst>
+          </p:cNvPr>
+          <p:cNvPicPr>
+            <a:picLocks noChangeAspect="1"/>
+          </p:cNvPicPr>
           <p:nvPr/>
-        </p:nvSpPr>
+        </p:nvPicPr>
+        <p:blipFill>
+          <a:blip r:embed="rId3">
+            <a:extLst>
+              <a:ext uri="{28A0092B-C50C-407E-A947-70E740481C1C}">
+                <a14:useLocalDpi xmlns:a14="http://schemas.microsoft.com/office/drawing/2010/main" val="0"/>
+              </a:ext>
+            </a:extLst>
+          </a:blip>
+          <a:stretch>
+            <a:fillRect/>
+          </a:stretch>
+        </p:blipFill>
         <p:spPr>
-          <a:xfrm rot="21026471">
-            <a:off x="-56653" y="-20660"/>
-            <a:ext cx="3130985" cy="923330"/>
+          <a:xfrm>
+            <a:off x="171780" y="1122002"/>
+            <a:ext cx="2298984" cy="2298984"/>
           </a:xfrm>
           <a:prstGeom prst="rect">
             <a:avLst/>
           </a:prstGeom>
-          <a:noFill/>
+          <a:effectLst>
+            <a:glow rad="901700">
+              <a:schemeClr val="bg2">
+                <a:alpha val="18000"/>
+              </a:schemeClr>
+            </a:glow>
+          </a:effectLst>
         </p:spPr>
-        <p:txBody>
-          <a:bodyPr wrap="none" rtlCol="0">
-            <a:spAutoFit/>
-          </a:bodyPr>
-          <a:lstStyle/>
-          <a:p>
-            <a:r>
-              <a:rPr lang="ja-JP" altLang="en-US" sz="5400" dirty="0">
-                <a:latin typeface="HGP行書体" panose="03000600000000000000" pitchFamily="66" charset="-128"/>
-                <a:ea typeface="HGP行書体" panose="03000600000000000000" pitchFamily="66" charset="-128"/>
-              </a:rPr>
-              <a:t>物の怪</a:t>
-            </a:r>
-            <a:r>
-              <a:rPr kumimoji="1" lang="ja-JP" altLang="en-US" sz="4000" dirty="0">
-                <a:latin typeface="HGP行書体" panose="03000600000000000000" pitchFamily="66" charset="-128"/>
-                <a:ea typeface="HGP行書体" panose="03000600000000000000" pitchFamily="66" charset="-128"/>
-              </a:rPr>
-              <a:t>退治</a:t>
-            </a:r>
-          </a:p>
-        </p:txBody>
-      </p:sp>
-      <p:sp>
-        <p:nvSpPr>
-          <p:cNvPr id="13" name="テキスト ボックス 12">
-            <a:extLst>
-              <a:ext uri="{FF2B5EF4-FFF2-40B4-BE49-F238E27FC236}">
-                <a16:creationId xmlns:a16="http://schemas.microsoft.com/office/drawing/2014/main" id="{F1A7BE1E-7B3D-1325-45B3-02CACCD4483D}"/>
-              </a:ext>
-            </a:extLst>
-          </p:cNvPr>
-          <p:cNvSpPr txBox="1"/>
+      </p:pic>
+      <p:pic>
+        <p:nvPicPr>
+          <p:cNvPr id="14" name="図 13">
+            <a:extLst>
+              <a:ext uri="{FF2B5EF4-FFF2-40B4-BE49-F238E27FC236}">
+                <a16:creationId xmlns:a16="http://schemas.microsoft.com/office/drawing/2014/main" id="{4C7457C3-8A97-448E-988E-564FD8D21DFD}"/>
+              </a:ext>
+            </a:extLst>
+          </p:cNvPr>
+          <p:cNvPicPr>
+            <a:picLocks noChangeAspect="1"/>
+          </p:cNvPicPr>
           <p:nvPr/>
-        </p:nvSpPr>
+        </p:nvPicPr>
+        <p:blipFill>
+          <a:blip r:embed="rId4">
+            <a:extLst>
+              <a:ext uri="{28A0092B-C50C-407E-A947-70E740481C1C}">
+                <a14:useLocalDpi xmlns:a14="http://schemas.microsoft.com/office/drawing/2010/main" val="0"/>
+              </a:ext>
+            </a:extLst>
+          </a:blip>
+          <a:stretch>
+            <a:fillRect/>
+          </a:stretch>
+        </p:blipFill>
         <p:spPr>
-          <a:xfrm rot="21073220">
-            <a:off x="366699" y="642184"/>
-            <a:ext cx="3307316" cy="523220"/>
+          <a:xfrm>
+            <a:off x="4221480" y="0"/>
+            <a:ext cx="3749040" cy="6858000"/>
           </a:xfrm>
           <a:prstGeom prst="rect">
             <a:avLst/>
           </a:prstGeom>
-          <a:noFill/>
+          <a:ln>
+            <a:noFill/>
+          </a:ln>
+          <a:effectLst>
+            <a:glow rad="1244600">
+              <a:schemeClr val="bg1">
+                <a:lumMod val="85000"/>
+                <a:alpha val="25000"/>
+              </a:schemeClr>
+            </a:glow>
+            <a:outerShdw blurRad="190500" algn="tl" rotWithShape="0">
+              <a:srgbClr val="000000">
+                <a:alpha val="70000"/>
+              </a:srgbClr>
+            </a:outerShdw>
+          </a:effectLst>
         </p:spPr>
-        <p:txBody>
-          <a:bodyPr wrap="none" rtlCol="0">
-            <a:spAutoFit/>
-          </a:bodyPr>
-          <a:lstStyle/>
-          <a:p>
-            <a:r>
-              <a:rPr kumimoji="1" lang="ja-JP" altLang="en-US" sz="2800" dirty="0">
-                <a:latin typeface="HGP行書体" panose="03000600000000000000" pitchFamily="66" charset="-128"/>
-                <a:ea typeface="HGP行書体" panose="03000600000000000000" pitchFamily="66" charset="-128"/>
-              </a:rPr>
-              <a:t>スタイリッシュアクション</a:t>
-            </a:r>
-          </a:p>
-        </p:txBody>
-      </p:sp>
-      <p:sp>
-        <p:nvSpPr>
-          <p:cNvPr id="2" name="テキスト ボックス 1">
-            <a:extLst>
-              <a:ext uri="{FF2B5EF4-FFF2-40B4-BE49-F238E27FC236}">
-                <a16:creationId xmlns:a16="http://schemas.microsoft.com/office/drawing/2014/main" id="{A661A9A7-AA24-6411-081F-0EE41054F2ED}"/>
-              </a:ext>
-            </a:extLst>
-          </p:cNvPr>
-          <p:cNvSpPr txBox="1"/>
+      </p:pic>
+      <p:pic>
+        <p:nvPicPr>
+          <p:cNvPr id="16" name="図 15">
+            <a:extLst>
+              <a:ext uri="{FF2B5EF4-FFF2-40B4-BE49-F238E27FC236}">
+                <a16:creationId xmlns:a16="http://schemas.microsoft.com/office/drawing/2014/main" id="{AF40A118-2640-4901-A266-C0CDA46DE1F0}"/>
+              </a:ext>
+            </a:extLst>
+          </p:cNvPr>
+          <p:cNvPicPr>
+            <a:picLocks noChangeAspect="1"/>
+          </p:cNvPicPr>
           <p:nvPr/>
-        </p:nvSpPr>
+        </p:nvPicPr>
+        <p:blipFill>
+          <a:blip r:embed="rId5">
+            <a:extLst>
+              <a:ext uri="{28A0092B-C50C-407E-A947-70E740481C1C}">
+                <a14:useLocalDpi xmlns:a14="http://schemas.microsoft.com/office/drawing/2010/main" val="0"/>
+              </a:ext>
+            </a:extLst>
+          </a:blip>
+          <a:stretch>
+            <a:fillRect/>
+          </a:stretch>
+        </p:blipFill>
         <p:spPr>
-          <a:xfrm rot="21306350">
-            <a:off x="3414078" y="1641709"/>
-            <a:ext cx="5181227" cy="646331"/>
+          <a:xfrm>
+            <a:off x="5930295" y="2131569"/>
+            <a:ext cx="1755829" cy="1326113"/>
           </a:xfrm>
           <a:prstGeom prst="rect">
             <a:avLst/>
           </a:prstGeom>
-          <a:noFill/>
         </p:spPr>
-        <p:txBody>
-          <a:bodyPr wrap="none" rtlCol="0">
-            <a:spAutoFit/>
-          </a:bodyPr>
-          <a:lstStyle/>
-          <a:p>
-            <a:r>
-              <a:rPr kumimoji="1" lang="ja-JP" altLang="en-US" sz="3600" dirty="0">
-                <a:latin typeface="HGP行書体" panose="03000600000000000000" pitchFamily="66" charset="-128"/>
-                <a:ea typeface="HGP行書体" panose="03000600000000000000" pitchFamily="66" charset="-128"/>
-              </a:rPr>
-              <a:t>多彩な道具で爽快にコンボ</a:t>
-            </a:r>
-          </a:p>
-        </p:txBody>
-      </p:sp>
-      <p:sp>
-        <p:nvSpPr>
-          <p:cNvPr id="20" name="テキスト ボックス 19">
-            <a:extLst>
-              <a:ext uri="{FF2B5EF4-FFF2-40B4-BE49-F238E27FC236}">
-                <a16:creationId xmlns:a16="http://schemas.microsoft.com/office/drawing/2014/main" id="{CE04F9F5-2FB2-7E98-651F-0F61B491E11F}"/>
-              </a:ext>
-            </a:extLst>
-          </p:cNvPr>
-          <p:cNvSpPr txBox="1"/>
-          <p:nvPr/>
-        </p:nvSpPr>
-        <p:spPr>
-          <a:xfrm rot="405001">
-            <a:off x="7907227" y="2256519"/>
-            <a:ext cx="3942105" cy="954107"/>
-          </a:xfrm>
-          <a:prstGeom prst="rect">
-            <a:avLst/>
-          </a:prstGeom>
-          <a:noFill/>
-        </p:spPr>
-        <p:txBody>
-          <a:bodyPr wrap="none" rtlCol="0">
-            <a:spAutoFit/>
-          </a:bodyPr>
-          <a:lstStyle/>
-          <a:p>
-            <a:r>
-              <a:rPr kumimoji="1" lang="ja-JP" altLang="en-US" sz="2800" dirty="0">
-                <a:latin typeface="HGP行書体" panose="03000600000000000000" pitchFamily="66" charset="-128"/>
-                <a:ea typeface="HGP行書体" panose="03000600000000000000" pitchFamily="66" charset="-128"/>
-              </a:rPr>
-              <a:t>鉤縄ワイヤーアクション</a:t>
-            </a:r>
-            <a:endParaRPr lang="en-US" altLang="ja-JP" sz="2800" dirty="0">
-              <a:latin typeface="HGP行書体" panose="03000600000000000000" pitchFamily="66" charset="-128"/>
-              <a:ea typeface="HGP行書体" panose="03000600000000000000" pitchFamily="66" charset="-128"/>
-            </a:endParaRPr>
-          </a:p>
-          <a:p>
-            <a:r>
-              <a:rPr kumimoji="1" lang="ja-JP" altLang="en-US" sz="2800" dirty="0">
-                <a:latin typeface="HGP行書体" panose="03000600000000000000" pitchFamily="66" charset="-128"/>
-                <a:ea typeface="HGP行書体" panose="03000600000000000000" pitchFamily="66" charset="-128"/>
-              </a:rPr>
-              <a:t>　　　　鉤縄による引き寄せ</a:t>
-            </a:r>
-          </a:p>
-        </p:txBody>
-      </p:sp>
-      <p:sp>
-        <p:nvSpPr>
-          <p:cNvPr id="21" name="テキスト ボックス 20">
-            <a:extLst>
-              <a:ext uri="{FF2B5EF4-FFF2-40B4-BE49-F238E27FC236}">
-                <a16:creationId xmlns:a16="http://schemas.microsoft.com/office/drawing/2014/main" id="{CF62DE6E-AC4B-5B41-68C2-3895DE783A20}"/>
-              </a:ext>
-            </a:extLst>
-          </p:cNvPr>
-          <p:cNvSpPr txBox="1"/>
-          <p:nvPr/>
-        </p:nvSpPr>
-        <p:spPr>
-          <a:xfrm rot="436753">
-            <a:off x="8561253" y="3712378"/>
-            <a:ext cx="2634054" cy="400110"/>
-          </a:xfrm>
-          <a:prstGeom prst="rect">
-            <a:avLst/>
-          </a:prstGeom>
-          <a:noFill/>
-        </p:spPr>
-        <p:txBody>
-          <a:bodyPr wrap="none" rtlCol="0">
-            <a:spAutoFit/>
-          </a:bodyPr>
-          <a:lstStyle/>
-          <a:p>
-            <a:r>
-              <a:rPr kumimoji="1" lang="ja-JP" altLang="en-US" sz="2000" dirty="0">
-                <a:latin typeface="HGP行書体" panose="03000600000000000000" pitchFamily="66" charset="-128"/>
-                <a:ea typeface="HGP行書体" panose="03000600000000000000" pitchFamily="66" charset="-128"/>
-              </a:rPr>
-              <a:t>まきびし蒔いてノックバック</a:t>
-            </a:r>
-          </a:p>
-        </p:txBody>
-      </p:sp>
-      <p:sp>
-        <p:nvSpPr>
-          <p:cNvPr id="22" name="テキスト ボックス 21">
-            <a:extLst>
-              <a:ext uri="{FF2B5EF4-FFF2-40B4-BE49-F238E27FC236}">
-                <a16:creationId xmlns:a16="http://schemas.microsoft.com/office/drawing/2014/main" id="{E431F1DA-0464-6A6B-F297-D3EA2B3AFFFF}"/>
-              </a:ext>
-            </a:extLst>
-          </p:cNvPr>
-          <p:cNvSpPr txBox="1"/>
-          <p:nvPr/>
-        </p:nvSpPr>
-        <p:spPr>
-          <a:xfrm rot="21022335">
-            <a:off x="3997091" y="4805468"/>
-            <a:ext cx="1691489" cy="400110"/>
-          </a:xfrm>
-          <a:prstGeom prst="rect">
-            <a:avLst/>
-          </a:prstGeom>
-          <a:noFill/>
-        </p:spPr>
-        <p:txBody>
-          <a:bodyPr wrap="none" rtlCol="0">
-            <a:spAutoFit/>
-          </a:bodyPr>
-          <a:lstStyle/>
-          <a:p>
-            <a:r>
-              <a:rPr kumimoji="1" lang="ja-JP" altLang="en-US" sz="2000" dirty="0">
-                <a:latin typeface="HGP行書体" panose="03000600000000000000" pitchFamily="66" charset="-128"/>
-                <a:ea typeface="HGP行書体" panose="03000600000000000000" pitchFamily="66" charset="-128"/>
-              </a:rPr>
-              <a:t>地形を利用して</a:t>
-            </a:r>
-          </a:p>
-        </p:txBody>
-      </p:sp>
-      <p:sp>
-        <p:nvSpPr>
-          <p:cNvPr id="23" name="テキスト ボックス 22">
-            <a:extLst>
-              <a:ext uri="{FF2B5EF4-FFF2-40B4-BE49-F238E27FC236}">
-                <a16:creationId xmlns:a16="http://schemas.microsoft.com/office/drawing/2014/main" id="{9C9BE3AF-BB35-9F59-C665-DDA903C98A05}"/>
-              </a:ext>
-            </a:extLst>
-          </p:cNvPr>
-          <p:cNvSpPr txBox="1"/>
-          <p:nvPr/>
-        </p:nvSpPr>
-        <p:spPr>
-          <a:xfrm rot="466622">
-            <a:off x="49126" y="2391598"/>
-            <a:ext cx="3954929" cy="400110"/>
-          </a:xfrm>
-          <a:prstGeom prst="rect">
-            <a:avLst/>
-          </a:prstGeom>
-          <a:noFill/>
-        </p:spPr>
-        <p:txBody>
-          <a:bodyPr wrap="none" rtlCol="0">
-            <a:spAutoFit/>
-          </a:bodyPr>
-          <a:lstStyle/>
-          <a:p>
-            <a:r>
-              <a:rPr kumimoji="1" lang="ja-JP" altLang="en-US" sz="2000" dirty="0">
-                <a:latin typeface="HGP行書体" panose="03000600000000000000" pitchFamily="66" charset="-128"/>
-                <a:ea typeface="HGP行書体" panose="03000600000000000000" pitchFamily="66" charset="-128"/>
-              </a:rPr>
-              <a:t>敵に視界外から攻撃すると即死演出</a:t>
-            </a:r>
-          </a:p>
-        </p:txBody>
-      </p:sp>
-      <p:sp>
-        <p:nvSpPr>
-          <p:cNvPr id="24" name="テキスト ボックス 23">
-            <a:extLst>
-              <a:ext uri="{FF2B5EF4-FFF2-40B4-BE49-F238E27FC236}">
-                <a16:creationId xmlns:a16="http://schemas.microsoft.com/office/drawing/2014/main" id="{2AFE7543-EC60-1EC4-7268-C2AFCF13FCAC}"/>
-              </a:ext>
-            </a:extLst>
-          </p:cNvPr>
-          <p:cNvSpPr txBox="1"/>
-          <p:nvPr/>
-        </p:nvSpPr>
-        <p:spPr>
-          <a:xfrm rot="641042">
-            <a:off x="7244444" y="5130427"/>
-            <a:ext cx="809837" cy="369332"/>
-          </a:xfrm>
-          <a:prstGeom prst="rect">
-            <a:avLst/>
-          </a:prstGeom>
-          <a:noFill/>
-        </p:spPr>
-        <p:txBody>
-          <a:bodyPr wrap="none" rtlCol="0">
-            <a:spAutoFit/>
-          </a:bodyPr>
-          <a:lstStyle/>
-          <a:p>
-            <a:r>
-              <a:rPr kumimoji="1" lang="ja-JP" altLang="en-US" dirty="0">
-                <a:latin typeface="HGP行書体" panose="03000600000000000000" pitchFamily="66" charset="-128"/>
-                <a:ea typeface="HGP行書体" panose="03000600000000000000" pitchFamily="66" charset="-128"/>
-              </a:rPr>
-              <a:t>壁走る</a:t>
-            </a:r>
-          </a:p>
-        </p:txBody>
-      </p:sp>
-      <p:sp>
-        <p:nvSpPr>
-          <p:cNvPr id="25" name="テキスト ボックス 24">
-            <a:extLst>
-              <a:ext uri="{FF2B5EF4-FFF2-40B4-BE49-F238E27FC236}">
-                <a16:creationId xmlns:a16="http://schemas.microsoft.com/office/drawing/2014/main" id="{D566A454-1A98-21BB-46B7-39F15F413BE4}"/>
-              </a:ext>
-            </a:extLst>
-          </p:cNvPr>
-          <p:cNvSpPr txBox="1"/>
-          <p:nvPr/>
-        </p:nvSpPr>
-        <p:spPr>
-          <a:xfrm rot="738174">
-            <a:off x="6887020" y="4820857"/>
-            <a:ext cx="912429" cy="369332"/>
-          </a:xfrm>
-          <a:prstGeom prst="rect">
-            <a:avLst/>
-          </a:prstGeom>
-          <a:noFill/>
-        </p:spPr>
-        <p:txBody>
-          <a:bodyPr wrap="none" rtlCol="0">
-            <a:spAutoFit/>
-          </a:bodyPr>
-          <a:lstStyle/>
-          <a:p>
-            <a:r>
-              <a:rPr kumimoji="1" lang="ja-JP" altLang="en-US" dirty="0">
-                <a:latin typeface="HGP行書体" panose="03000600000000000000" pitchFamily="66" charset="-128"/>
-                <a:ea typeface="HGP行書体" panose="03000600000000000000" pitchFamily="66" charset="-128"/>
-              </a:rPr>
-              <a:t>壁キック</a:t>
-            </a:r>
-          </a:p>
-        </p:txBody>
-      </p:sp>
-      <p:sp>
-        <p:nvSpPr>
-          <p:cNvPr id="27" name="テキスト ボックス 26">
-            <a:extLst>
-              <a:ext uri="{FF2B5EF4-FFF2-40B4-BE49-F238E27FC236}">
-                <a16:creationId xmlns:a16="http://schemas.microsoft.com/office/drawing/2014/main" id="{47810971-60E2-15DA-C340-EB8725E04771}"/>
-              </a:ext>
-            </a:extLst>
-          </p:cNvPr>
-          <p:cNvSpPr txBox="1"/>
-          <p:nvPr/>
-        </p:nvSpPr>
-        <p:spPr>
-          <a:xfrm rot="21382777">
-            <a:off x="3920229" y="2829470"/>
-            <a:ext cx="4344459" cy="400110"/>
-          </a:xfrm>
-          <a:prstGeom prst="rect">
-            <a:avLst/>
-          </a:prstGeom>
-          <a:noFill/>
-        </p:spPr>
-        <p:txBody>
-          <a:bodyPr wrap="none" rtlCol="0">
-            <a:spAutoFit/>
-          </a:bodyPr>
-          <a:lstStyle/>
-          <a:p>
-            <a:r>
-              <a:rPr lang="ja-JP" altLang="en-US" sz="2000" dirty="0">
-                <a:latin typeface="HGP行書体" panose="03000600000000000000" pitchFamily="66" charset="-128"/>
-                <a:ea typeface="HGP行書体" panose="03000600000000000000" pitchFamily="66" charset="-128"/>
-              </a:rPr>
-              <a:t>攻撃されたら身代わりの術のチャンス！！</a:t>
-            </a:r>
-            <a:endParaRPr kumimoji="1" lang="ja-JP" altLang="en-US" sz="2000" dirty="0">
-              <a:latin typeface="HGP行書体" panose="03000600000000000000" pitchFamily="66" charset="-128"/>
-              <a:ea typeface="HGP行書体" panose="03000600000000000000" pitchFamily="66" charset="-128"/>
-            </a:endParaRPr>
-          </a:p>
-        </p:txBody>
-      </p:sp>
+      </p:pic>
       <p:pic>
         <p:nvPicPr>
-          <p:cNvPr id="1026" name="Picture 2">
-            <a:extLst>
-              <a:ext uri="{FF2B5EF4-FFF2-40B4-BE49-F238E27FC236}">
-                <a16:creationId xmlns:a16="http://schemas.microsoft.com/office/drawing/2014/main" id="{2AB5222D-3A4B-916D-8F0F-76F42F2BB704}"/>
+          <p:cNvPr id="8" name="Picture 2" descr="ペルソナ5タクティカDLCクリア！明智と芳澤とスプラトゥーン | ごじゃっぺ夢烏の保管庫。">
+            <a:extLst>
+              <a:ext uri="{FF2B5EF4-FFF2-40B4-BE49-F238E27FC236}">
+                <a16:creationId xmlns:a16="http://schemas.microsoft.com/office/drawing/2014/main" id="{D6B8E4F7-52CE-4E59-86B2-D5B9816D94D3}"/>
               </a:ext>
             </a:extLst>
           </p:cNvPr>
@@ -4072,7 +3833,7 @@
           <p:nvPr/>
         </p:nvPicPr>
         <p:blipFill>
-          <a:blip r:embed="rId2">
+          <a:blip r:embed="rId6">
             <a:extLst>
               <a:ext uri="{28A0092B-C50C-407E-A947-70E740481C1C}">
                 <a14:useLocalDpi xmlns:a14="http://schemas.microsoft.com/office/drawing/2010/main" val="0"/>
@@ -4085,14 +3846,23 @@
           </a:stretch>
         </p:blipFill>
         <p:spPr bwMode="auto">
-          <a:xfrm>
-            <a:off x="5082493" y="5160633"/>
-            <a:ext cx="2134734" cy="1200786"/>
+          <a:xfrm rot="831673">
+            <a:off x="-73949" y="3936177"/>
+            <a:ext cx="4544793" cy="2556446"/>
           </a:xfrm>
           <a:prstGeom prst="rect">
             <a:avLst/>
           </a:prstGeom>
-          <a:noFill/>
+          <a:ln>
+            <a:noFill/>
+          </a:ln>
+          <a:effectLst>
+            <a:outerShdw blurRad="190500" algn="tl" rotWithShape="0">
+              <a:srgbClr val="000000">
+                <a:alpha val="70000"/>
+              </a:srgbClr>
+            </a:outerShdw>
+          </a:effectLst>
           <a:extLst>
             <a:ext uri="{909E8E84-426E-40DD-AFC4-6F175D3DCCD1}">
               <a14:hiddenFill xmlns:a14="http://schemas.microsoft.com/office/drawing/2010/main">
@@ -4119,7 +3889,7 @@
           <p:nvPr/>
         </p:nvPicPr>
         <p:blipFill>
-          <a:blip r:embed="rId3">
+          <a:blip r:embed="rId7">
             <a:extLst>
               <a:ext uri="{28A0092B-C50C-407E-A947-70E740481C1C}">
                 <a14:useLocalDpi xmlns:a14="http://schemas.microsoft.com/office/drawing/2010/main" val="0"/>
@@ -4133,13 +3903,22 @@
         </p:blipFill>
         <p:spPr bwMode="auto">
           <a:xfrm rot="442292">
-            <a:off x="103678" y="2802686"/>
+            <a:off x="8733541" y="4096812"/>
             <a:ext cx="3244695" cy="1825141"/>
           </a:xfrm>
           <a:prstGeom prst="rect">
             <a:avLst/>
           </a:prstGeom>
-          <a:noFill/>
+          <a:ln>
+            <a:noFill/>
+          </a:ln>
+          <a:effectLst>
+            <a:outerShdw blurRad="190500" algn="tl" rotWithShape="0">
+              <a:srgbClr val="000000">
+                <a:alpha val="70000"/>
+              </a:srgbClr>
+            </a:outerShdw>
+          </a:effectLst>
           <a:extLst>
             <a:ext uri="{909E8E84-426E-40DD-AFC4-6F175D3DCCD1}">
               <a14:hiddenFill xmlns:a14="http://schemas.microsoft.com/office/drawing/2010/main">
@@ -4151,12 +3930,279 @@
           </a:extLst>
         </p:spPr>
       </p:pic>
-      <p:sp>
-        <p:nvSpPr>
-          <p:cNvPr id="29" name="テキスト ボックス 28">
-            <a:extLst>
-              <a:ext uri="{FF2B5EF4-FFF2-40B4-BE49-F238E27FC236}">
-                <a16:creationId xmlns:a16="http://schemas.microsoft.com/office/drawing/2014/main" id="{5265A67F-81E6-2802-1316-95FF40CF15B7}"/>
+      <p:grpSp>
+        <p:nvGrpSpPr>
+          <p:cNvPr id="7" name="グループ化 6">
+            <a:extLst>
+              <a:ext uri="{FF2B5EF4-FFF2-40B4-BE49-F238E27FC236}">
+                <a16:creationId xmlns:a16="http://schemas.microsoft.com/office/drawing/2014/main" id="{3183BAF5-74FC-4A6C-A29A-6C4C6108A2F0}"/>
+              </a:ext>
+            </a:extLst>
+          </p:cNvPr>
+          <p:cNvGrpSpPr/>
+          <p:nvPr/>
+        </p:nvGrpSpPr>
+        <p:grpSpPr>
+          <a:xfrm>
+            <a:off x="4996921" y="3262243"/>
+            <a:ext cx="1832852" cy="1395685"/>
+            <a:chOff x="2479756" y="4747846"/>
+            <a:chExt cx="2138984" cy="1448439"/>
+          </a:xfrm>
+        </p:grpSpPr>
+        <p:pic>
+          <p:nvPicPr>
+            <p:cNvPr id="6" name="図 5">
+              <a:extLst>
+                <a:ext uri="{FF2B5EF4-FFF2-40B4-BE49-F238E27FC236}">
+                  <a16:creationId xmlns:a16="http://schemas.microsoft.com/office/drawing/2014/main" id="{EC802E8F-E0F6-4004-A2C8-EFD30D642F64}"/>
+                </a:ext>
+              </a:extLst>
+            </p:cNvPr>
+            <p:cNvPicPr>
+              <a:picLocks noChangeAspect="1"/>
+            </p:cNvPicPr>
+            <p:nvPr/>
+          </p:nvPicPr>
+          <p:blipFill>
+            <a:blip r:embed="rId8">
+              <a:extLst>
+                <a:ext uri="{28A0092B-C50C-407E-A947-70E740481C1C}">
+                  <a14:useLocalDpi xmlns:a14="http://schemas.microsoft.com/office/drawing/2010/main" val="0"/>
+                </a:ext>
+              </a:extLst>
+            </a:blip>
+            <a:stretch>
+              <a:fillRect/>
+            </a:stretch>
+          </p:blipFill>
+          <p:spPr>
+            <a:xfrm>
+              <a:off x="3105906" y="4747846"/>
+              <a:ext cx="1252299" cy="950394"/>
+            </a:xfrm>
+            <a:prstGeom prst="rect">
+              <a:avLst/>
+            </a:prstGeom>
+          </p:spPr>
+        </p:pic>
+        <p:pic>
+          <p:nvPicPr>
+            <p:cNvPr id="26" name="図 25">
+              <a:extLst>
+                <a:ext uri="{FF2B5EF4-FFF2-40B4-BE49-F238E27FC236}">
+                  <a16:creationId xmlns:a16="http://schemas.microsoft.com/office/drawing/2014/main" id="{2E8FE039-378B-488B-8373-41DA8FF08C7B}"/>
+                </a:ext>
+              </a:extLst>
+            </p:cNvPr>
+            <p:cNvPicPr>
+              <a:picLocks noChangeAspect="1"/>
+            </p:cNvPicPr>
+            <p:nvPr/>
+          </p:nvPicPr>
+          <p:blipFill>
+            <a:blip r:embed="rId8">
+              <a:extLst>
+                <a:ext uri="{28A0092B-C50C-407E-A947-70E740481C1C}">
+                  <a14:useLocalDpi xmlns:a14="http://schemas.microsoft.com/office/drawing/2010/main" val="0"/>
+                </a:ext>
+              </a:extLst>
+            </a:blip>
+            <a:stretch>
+              <a:fillRect/>
+            </a:stretch>
+          </p:blipFill>
+          <p:spPr>
+            <a:xfrm>
+              <a:off x="2479756" y="4747846"/>
+              <a:ext cx="1252299" cy="950394"/>
+            </a:xfrm>
+            <a:prstGeom prst="rect">
+              <a:avLst/>
+            </a:prstGeom>
+          </p:spPr>
+        </p:pic>
+        <p:pic>
+          <p:nvPicPr>
+            <p:cNvPr id="28" name="図 27">
+              <a:extLst>
+                <a:ext uri="{FF2B5EF4-FFF2-40B4-BE49-F238E27FC236}">
+                  <a16:creationId xmlns:a16="http://schemas.microsoft.com/office/drawing/2014/main" id="{2738EBEC-BF57-4D74-9E5C-F1F264F34B3A}"/>
+                </a:ext>
+              </a:extLst>
+            </p:cNvPr>
+            <p:cNvPicPr>
+              <a:picLocks noChangeAspect="1"/>
+            </p:cNvPicPr>
+            <p:nvPr/>
+          </p:nvPicPr>
+          <p:blipFill>
+            <a:blip r:embed="rId8">
+              <a:extLst>
+                <a:ext uri="{28A0092B-C50C-407E-A947-70E740481C1C}">
+                  <a14:useLocalDpi xmlns:a14="http://schemas.microsoft.com/office/drawing/2010/main" val="0"/>
+                </a:ext>
+              </a:extLst>
+            </a:blip>
+            <a:stretch>
+              <a:fillRect/>
+            </a:stretch>
+          </p:blipFill>
+          <p:spPr>
+            <a:xfrm>
+              <a:off x="3366441" y="5207108"/>
+              <a:ext cx="1252299" cy="950394"/>
+            </a:xfrm>
+            <a:prstGeom prst="rect">
+              <a:avLst/>
+            </a:prstGeom>
+          </p:spPr>
+        </p:pic>
+        <p:pic>
+          <p:nvPicPr>
+            <p:cNvPr id="32" name="図 31">
+              <a:extLst>
+                <a:ext uri="{FF2B5EF4-FFF2-40B4-BE49-F238E27FC236}">
+                  <a16:creationId xmlns:a16="http://schemas.microsoft.com/office/drawing/2014/main" id="{BEA036AC-7271-4314-AE93-F057A9F7B288}"/>
+                </a:ext>
+              </a:extLst>
+            </p:cNvPr>
+            <p:cNvPicPr>
+              <a:picLocks noChangeAspect="1"/>
+            </p:cNvPicPr>
+            <p:nvPr/>
+          </p:nvPicPr>
+          <p:blipFill>
+            <a:blip r:embed="rId8">
+              <a:extLst>
+                <a:ext uri="{28A0092B-C50C-407E-A947-70E740481C1C}">
+                  <a14:useLocalDpi xmlns:a14="http://schemas.microsoft.com/office/drawing/2010/main" val="0"/>
+                </a:ext>
+              </a:extLst>
+            </a:blip>
+            <a:stretch>
+              <a:fillRect/>
+            </a:stretch>
+          </p:blipFill>
+          <p:spPr>
+            <a:xfrm>
+              <a:off x="2666624" y="5245891"/>
+              <a:ext cx="1252299" cy="950394"/>
+            </a:xfrm>
+            <a:prstGeom prst="rect">
+              <a:avLst/>
+            </a:prstGeom>
+          </p:spPr>
+        </p:pic>
+      </p:grpSp>
+      <p:pic>
+        <p:nvPicPr>
+          <p:cNvPr id="4" name="図 3">
+            <a:extLst>
+              <a:ext uri="{FF2B5EF4-FFF2-40B4-BE49-F238E27FC236}">
+                <a16:creationId xmlns:a16="http://schemas.microsoft.com/office/drawing/2014/main" id="{3B12150A-A794-4BD4-8C0C-25B3BB15EE23}"/>
+              </a:ext>
+            </a:extLst>
+          </p:cNvPr>
+          <p:cNvPicPr>
+            <a:picLocks noChangeAspect="1"/>
+          </p:cNvPicPr>
+          <p:nvPr/>
+        </p:nvPicPr>
+        <p:blipFill>
+          <a:blip r:embed="rId9">
+            <a:extLst>
+              <a:ext uri="{28A0092B-C50C-407E-A947-70E740481C1C}">
+                <a14:useLocalDpi xmlns:a14="http://schemas.microsoft.com/office/drawing/2010/main" val="0"/>
+              </a:ext>
+            </a:extLst>
+          </a:blip>
+          <a:stretch>
+            <a:fillRect/>
+          </a:stretch>
+        </p:blipFill>
+        <p:spPr>
+          <a:xfrm rot="20755550">
+            <a:off x="8005719" y="1342434"/>
+            <a:ext cx="3974123" cy="2235444"/>
+          </a:xfrm>
+          <a:prstGeom prst="rect">
+            <a:avLst/>
+          </a:prstGeom>
+          <a:ln>
+            <a:noFill/>
+          </a:ln>
+          <a:effectLst>
+            <a:outerShdw blurRad="190500" algn="tl" rotWithShape="0">
+              <a:srgbClr val="000000">
+                <a:alpha val="70000"/>
+              </a:srgbClr>
+            </a:outerShdw>
+          </a:effectLst>
+        </p:spPr>
+      </p:pic>
+      <p:pic>
+        <p:nvPicPr>
+          <p:cNvPr id="1026" name="Picture 2">
+            <a:extLst>
+              <a:ext uri="{FF2B5EF4-FFF2-40B4-BE49-F238E27FC236}">
+                <a16:creationId xmlns:a16="http://schemas.microsoft.com/office/drawing/2014/main" id="{2AB5222D-3A4B-916D-8F0F-76F42F2BB704}"/>
+              </a:ext>
+            </a:extLst>
+          </p:cNvPr>
+          <p:cNvPicPr>
+            <a:picLocks noChangeAspect="1" noChangeArrowheads="1"/>
+          </p:cNvPicPr>
+          <p:nvPr/>
+        </p:nvPicPr>
+        <p:blipFill>
+          <a:blip r:embed="rId10">
+            <a:extLst>
+              <a:ext uri="{28A0092B-C50C-407E-A947-70E740481C1C}">
+                <a14:useLocalDpi xmlns:a14="http://schemas.microsoft.com/office/drawing/2010/main" val="0"/>
+              </a:ext>
+            </a:extLst>
+          </a:blip>
+          <a:srcRect/>
+          <a:stretch>
+            <a:fillRect/>
+          </a:stretch>
+        </p:blipFill>
+        <p:spPr bwMode="auto">
+          <a:xfrm rot="20955864">
+            <a:off x="5189429" y="4682274"/>
+            <a:ext cx="3296576" cy="1854321"/>
+          </a:xfrm>
+          <a:prstGeom prst="rect">
+            <a:avLst/>
+          </a:prstGeom>
+          <a:ln>
+            <a:noFill/>
+          </a:ln>
+          <a:effectLst>
+            <a:outerShdw blurRad="190500" algn="tl" rotWithShape="0">
+              <a:srgbClr val="000000">
+                <a:alpha val="70000"/>
+              </a:srgbClr>
+            </a:outerShdw>
+          </a:effectLst>
+          <a:extLst>
+            <a:ext uri="{909E8E84-426E-40DD-AFC4-6F175D3DCCD1}">
+              <a14:hiddenFill xmlns:a14="http://schemas.microsoft.com/office/drawing/2010/main">
+                <a:solidFill>
+                  <a:srgbClr val="FFFFFF"/>
+                </a:solidFill>
+              </a14:hiddenFill>
+            </a:ext>
+          </a:extLst>
+        </p:spPr>
+      </p:pic>
+      <p:sp>
+        <p:nvSpPr>
+          <p:cNvPr id="11" name="テキスト ボックス 10">
+            <a:extLst>
+              <a:ext uri="{FF2B5EF4-FFF2-40B4-BE49-F238E27FC236}">
+                <a16:creationId xmlns:a16="http://schemas.microsoft.com/office/drawing/2014/main" id="{B38710F5-4FE6-22EC-8DB4-8B0CE37EC117}"/>
               </a:ext>
             </a:extLst>
           </p:cNvPr>
@@ -4164,8 +4210,966 @@
           <p:nvPr/>
         </p:nvSpPr>
         <p:spPr>
+          <a:xfrm>
+            <a:off x="3451845" y="-103201"/>
+            <a:ext cx="5517857" cy="1107996"/>
+          </a:xfrm>
+          <a:prstGeom prst="rect">
+            <a:avLst/>
+          </a:prstGeom>
+          <a:noFill/>
+        </p:spPr>
+        <p:txBody>
+          <a:bodyPr wrap="none" rtlCol="0">
+            <a:spAutoFit/>
+          </a:bodyPr>
+          <a:lstStyle/>
+          <a:p>
+            <a:r>
+              <a:rPr lang="ja-JP" altLang="en-US" sz="6600" dirty="0">
+                <a:gradFill>
+                  <a:gsLst>
+                    <a:gs pos="0">
+                      <a:srgbClr val="FF0000"/>
+                    </a:gs>
+                    <a:gs pos="64000">
+                      <a:schemeClr val="tx1">
+                        <a:lumMod val="65000"/>
+                        <a:lumOff val="35000"/>
+                      </a:schemeClr>
+                    </a:gs>
+                    <a:gs pos="83000">
+                      <a:srgbClr val="FF0000"/>
+                    </a:gs>
+                    <a:gs pos="100000">
+                      <a:srgbClr val="FF0000"/>
+                    </a:gs>
+                  </a:gsLst>
+                  <a:lin ang="5400000" scaled="1"/>
+                </a:gradFill>
+                <a:effectLst>
+                  <a:glow rad="25400">
+                    <a:schemeClr val="bg1"/>
+                  </a:glow>
+                </a:effectLst>
+                <a:latin typeface="HGP行書体" panose="03000600000000000000" pitchFamily="66" charset="-128"/>
+                <a:ea typeface="HGP行書体" panose="03000600000000000000" pitchFamily="66" charset="-128"/>
+              </a:rPr>
+              <a:t>和</a:t>
+            </a:r>
+            <a:r>
+              <a:rPr lang="ja-JP" altLang="en-US" sz="6600" dirty="0" err="1">
+                <a:gradFill>
+                  <a:gsLst>
+                    <a:gs pos="0">
+                      <a:srgbClr val="FF0000"/>
+                    </a:gs>
+                    <a:gs pos="64000">
+                      <a:schemeClr val="tx1">
+                        <a:lumMod val="65000"/>
+                        <a:lumOff val="35000"/>
+                      </a:schemeClr>
+                    </a:gs>
+                    <a:gs pos="83000">
+                      <a:srgbClr val="FF0000"/>
+                    </a:gs>
+                    <a:gs pos="100000">
+                      <a:srgbClr val="FF0000"/>
+                    </a:gs>
+                  </a:gsLst>
+                  <a:lin ang="5400000" scaled="1"/>
+                </a:gradFill>
+                <a:effectLst>
+                  <a:glow rad="25400">
+                    <a:schemeClr val="bg1"/>
+                  </a:glow>
+                </a:effectLst>
+                <a:latin typeface="HGP行書体" panose="03000600000000000000" pitchFamily="66" charset="-128"/>
+                <a:ea typeface="HGP行書体" panose="03000600000000000000" pitchFamily="66" charset="-128"/>
+              </a:rPr>
+              <a:t>びるめい</a:t>
+            </a:r>
+            <a:r>
+              <a:rPr lang="ja-JP" altLang="en-US" sz="6600" dirty="0">
+                <a:gradFill>
+                  <a:gsLst>
+                    <a:gs pos="0">
+                      <a:srgbClr val="FF0000"/>
+                    </a:gs>
+                    <a:gs pos="64000">
+                      <a:schemeClr val="tx1">
+                        <a:lumMod val="65000"/>
+                        <a:lumOff val="35000"/>
+                      </a:schemeClr>
+                    </a:gs>
+                    <a:gs pos="83000">
+                      <a:srgbClr val="FF0000"/>
+                    </a:gs>
+                    <a:gs pos="100000">
+                      <a:srgbClr val="FF0000"/>
+                    </a:gs>
+                  </a:gsLst>
+                  <a:lin ang="5400000" scaled="1"/>
+                </a:gradFill>
+                <a:effectLst>
+                  <a:glow rad="25400">
+                    <a:schemeClr val="bg1"/>
+                  </a:glow>
+                </a:effectLst>
+                <a:latin typeface="HGP行書体" panose="03000600000000000000" pitchFamily="66" charset="-128"/>
+                <a:ea typeface="HGP行書体" panose="03000600000000000000" pitchFamily="66" charset="-128"/>
+              </a:rPr>
+              <a:t>くらい</a:t>
+            </a:r>
+          </a:p>
+        </p:txBody>
+      </p:sp>
+      <p:sp>
+        <p:nvSpPr>
+          <p:cNvPr id="12" name="テキスト ボックス 11">
+            <a:extLst>
+              <a:ext uri="{FF2B5EF4-FFF2-40B4-BE49-F238E27FC236}">
+                <a16:creationId xmlns:a16="http://schemas.microsoft.com/office/drawing/2014/main" id="{6886A5A8-29D3-0FBC-544E-B0CFAA26FA7F}"/>
+              </a:ext>
+            </a:extLst>
+          </p:cNvPr>
+          <p:cNvSpPr txBox="1"/>
+          <p:nvPr/>
+        </p:nvSpPr>
+        <p:spPr>
+          <a:xfrm rot="21026471">
+            <a:off x="-56653" y="-20660"/>
+            <a:ext cx="3130985" cy="923330"/>
+          </a:xfrm>
+          <a:prstGeom prst="rect">
+            <a:avLst/>
+          </a:prstGeom>
+          <a:noFill/>
+        </p:spPr>
+        <p:txBody>
+          <a:bodyPr wrap="none" rtlCol="0">
+            <a:spAutoFit/>
+          </a:bodyPr>
+          <a:lstStyle/>
+          <a:p>
+            <a:r>
+              <a:rPr lang="ja-JP" altLang="en-US" sz="5400" dirty="0">
+                <a:gradFill>
+                  <a:gsLst>
+                    <a:gs pos="0">
+                      <a:srgbClr val="FF0000"/>
+                    </a:gs>
+                    <a:gs pos="64000">
+                      <a:schemeClr val="tx1">
+                        <a:lumMod val="65000"/>
+                        <a:lumOff val="35000"/>
+                      </a:schemeClr>
+                    </a:gs>
+                    <a:gs pos="83000">
+                      <a:srgbClr val="FF0000"/>
+                    </a:gs>
+                    <a:gs pos="100000">
+                      <a:srgbClr val="FF0000"/>
+                    </a:gs>
+                  </a:gsLst>
+                  <a:lin ang="5400000" scaled="1"/>
+                </a:gradFill>
+                <a:effectLst>
+                  <a:glow rad="25400">
+                    <a:schemeClr val="bg1"/>
+                  </a:glow>
+                </a:effectLst>
+                <a:latin typeface="HGP行書体" panose="03000600000000000000" pitchFamily="66" charset="-128"/>
+                <a:ea typeface="HGP行書体" panose="03000600000000000000" pitchFamily="66" charset="-128"/>
+              </a:rPr>
+              <a:t>物の怪</a:t>
+            </a:r>
+            <a:r>
+              <a:rPr kumimoji="1" lang="ja-JP" altLang="en-US" sz="4000" dirty="0">
+                <a:gradFill>
+                  <a:gsLst>
+                    <a:gs pos="0">
+                      <a:srgbClr val="FF0000"/>
+                    </a:gs>
+                    <a:gs pos="64000">
+                      <a:schemeClr val="tx1">
+                        <a:lumMod val="65000"/>
+                        <a:lumOff val="35000"/>
+                      </a:schemeClr>
+                    </a:gs>
+                    <a:gs pos="83000">
+                      <a:srgbClr val="FF0000"/>
+                    </a:gs>
+                    <a:gs pos="100000">
+                      <a:srgbClr val="FF0000"/>
+                    </a:gs>
+                  </a:gsLst>
+                  <a:lin ang="5400000" scaled="1"/>
+                </a:gradFill>
+                <a:effectLst>
+                  <a:glow rad="25400">
+                    <a:schemeClr val="bg1"/>
+                  </a:glow>
+                </a:effectLst>
+                <a:latin typeface="HGP行書体" panose="03000600000000000000" pitchFamily="66" charset="-128"/>
+                <a:ea typeface="HGP行書体" panose="03000600000000000000" pitchFamily="66" charset="-128"/>
+              </a:rPr>
+              <a:t>退治</a:t>
+            </a:r>
+          </a:p>
+        </p:txBody>
+      </p:sp>
+      <p:sp>
+        <p:nvSpPr>
+          <p:cNvPr id="13" name="テキスト ボックス 12">
+            <a:extLst>
+              <a:ext uri="{FF2B5EF4-FFF2-40B4-BE49-F238E27FC236}">
+                <a16:creationId xmlns:a16="http://schemas.microsoft.com/office/drawing/2014/main" id="{F1A7BE1E-7B3D-1325-45B3-02CACCD4483D}"/>
+              </a:ext>
+            </a:extLst>
+          </p:cNvPr>
+          <p:cNvSpPr txBox="1"/>
+          <p:nvPr/>
+        </p:nvSpPr>
+        <p:spPr>
+          <a:xfrm rot="21073220">
+            <a:off x="366699" y="642184"/>
+            <a:ext cx="3307316" cy="523220"/>
+          </a:xfrm>
+          <a:prstGeom prst="rect">
+            <a:avLst/>
+          </a:prstGeom>
+          <a:noFill/>
+        </p:spPr>
+        <p:txBody>
+          <a:bodyPr wrap="none" rtlCol="0">
+            <a:spAutoFit/>
+          </a:bodyPr>
+          <a:lstStyle/>
+          <a:p>
+            <a:r>
+              <a:rPr kumimoji="1" lang="ja-JP" altLang="en-US" sz="2800" dirty="0">
+                <a:gradFill>
+                  <a:gsLst>
+                    <a:gs pos="0">
+                      <a:srgbClr val="FF0000"/>
+                    </a:gs>
+                    <a:gs pos="64000">
+                      <a:schemeClr val="tx1">
+                        <a:lumMod val="65000"/>
+                        <a:lumOff val="35000"/>
+                      </a:schemeClr>
+                    </a:gs>
+                    <a:gs pos="83000">
+                      <a:srgbClr val="FF0000"/>
+                    </a:gs>
+                    <a:gs pos="100000">
+                      <a:srgbClr val="FF0000"/>
+                    </a:gs>
+                  </a:gsLst>
+                  <a:lin ang="5400000" scaled="1"/>
+                </a:gradFill>
+                <a:effectLst>
+                  <a:glow rad="25400">
+                    <a:schemeClr val="bg1"/>
+                  </a:glow>
+                </a:effectLst>
+                <a:latin typeface="HGP行書体" panose="03000600000000000000" pitchFamily="66" charset="-128"/>
+                <a:ea typeface="HGP行書体" panose="03000600000000000000" pitchFamily="66" charset="-128"/>
+              </a:rPr>
+              <a:t>スタイリッシュアクション</a:t>
+            </a:r>
+          </a:p>
+        </p:txBody>
+      </p:sp>
+      <p:sp>
+        <p:nvSpPr>
+          <p:cNvPr id="2" name="テキスト ボックス 1">
+            <a:extLst>
+              <a:ext uri="{FF2B5EF4-FFF2-40B4-BE49-F238E27FC236}">
+                <a16:creationId xmlns:a16="http://schemas.microsoft.com/office/drawing/2014/main" id="{A661A9A7-AA24-6411-081F-0EE41054F2ED}"/>
+              </a:ext>
+            </a:extLst>
+          </p:cNvPr>
+          <p:cNvSpPr txBox="1"/>
+          <p:nvPr/>
+        </p:nvSpPr>
+        <p:spPr>
+          <a:xfrm rot="21310436">
+            <a:off x="3686205" y="1052892"/>
+            <a:ext cx="5118709" cy="646331"/>
+          </a:xfrm>
+          <a:prstGeom prst="rect">
+            <a:avLst/>
+          </a:prstGeom>
+          <a:noFill/>
+        </p:spPr>
+        <p:txBody>
+          <a:bodyPr wrap="none" rtlCol="0">
+            <a:spAutoFit/>
+          </a:bodyPr>
+          <a:lstStyle/>
+          <a:p>
+            <a:r>
+              <a:rPr kumimoji="1" lang="ja-JP" altLang="en-US" sz="3600" dirty="0">
+                <a:solidFill>
+                  <a:srgbClr val="FF0D0D"/>
+                </a:solidFill>
+                <a:effectLst>
+                  <a:glow rad="381000">
+                    <a:schemeClr val="bg1">
+                      <a:alpha val="80000"/>
+                    </a:schemeClr>
+                  </a:glow>
+                </a:effectLst>
+                <a:latin typeface="HGP行書体" panose="03000600000000000000" pitchFamily="66" charset="-128"/>
+                <a:ea typeface="HGP行書体" panose="03000600000000000000" pitchFamily="66" charset="-128"/>
+              </a:rPr>
+              <a:t>多彩な道具で爽快コンボ</a:t>
+            </a:r>
+            <a:r>
+              <a:rPr kumimoji="1" lang="en-US" altLang="ja-JP" sz="3600" dirty="0">
+                <a:solidFill>
+                  <a:srgbClr val="FF0D0D"/>
+                </a:solidFill>
+                <a:effectLst>
+                  <a:glow rad="381000">
+                    <a:schemeClr val="bg1">
+                      <a:alpha val="80000"/>
+                    </a:schemeClr>
+                  </a:glow>
+                </a:effectLst>
+                <a:latin typeface="HGP行書体" panose="03000600000000000000" pitchFamily="66" charset="-128"/>
+                <a:ea typeface="HGP行書体" panose="03000600000000000000" pitchFamily="66" charset="-128"/>
+              </a:rPr>
+              <a:t>!!</a:t>
+            </a:r>
+            <a:endParaRPr kumimoji="1" lang="ja-JP" altLang="en-US" sz="3600" dirty="0">
+              <a:solidFill>
+                <a:srgbClr val="FF0D0D"/>
+              </a:solidFill>
+              <a:effectLst>
+                <a:glow rad="381000">
+                  <a:schemeClr val="bg1">
+                    <a:alpha val="80000"/>
+                  </a:schemeClr>
+                </a:glow>
+              </a:effectLst>
+              <a:latin typeface="HGP行書体" panose="03000600000000000000" pitchFamily="66" charset="-128"/>
+              <a:ea typeface="HGP行書体" panose="03000600000000000000" pitchFamily="66" charset="-128"/>
+            </a:endParaRPr>
+          </a:p>
+        </p:txBody>
+      </p:sp>
+      <p:sp>
+        <p:nvSpPr>
+          <p:cNvPr id="20" name="テキスト ボックス 19">
+            <a:extLst>
+              <a:ext uri="{FF2B5EF4-FFF2-40B4-BE49-F238E27FC236}">
+                <a16:creationId xmlns:a16="http://schemas.microsoft.com/office/drawing/2014/main" id="{CE04F9F5-2FB2-7E98-651F-0F61B491E11F}"/>
+              </a:ext>
+            </a:extLst>
+          </p:cNvPr>
+          <p:cNvSpPr txBox="1"/>
+          <p:nvPr/>
+        </p:nvSpPr>
+        <p:spPr>
+          <a:xfrm rot="20839544">
+            <a:off x="8457443" y="2642065"/>
+            <a:ext cx="3337773" cy="954107"/>
+          </a:xfrm>
+          <a:prstGeom prst="rect">
+            <a:avLst/>
+          </a:prstGeom>
+          <a:noFill/>
+        </p:spPr>
+        <p:txBody>
+          <a:bodyPr wrap="none" rtlCol="0">
+            <a:spAutoFit/>
+          </a:bodyPr>
+          <a:lstStyle/>
+          <a:p>
+            <a:r>
+              <a:rPr kumimoji="1" lang="ja-JP" altLang="en-US" sz="2800" dirty="0">
+                <a:solidFill>
+                  <a:srgbClr val="FF0D0D"/>
+                </a:solidFill>
+                <a:effectLst>
+                  <a:glow rad="381000">
+                    <a:schemeClr val="bg1">
+                      <a:alpha val="80000"/>
+                    </a:schemeClr>
+                  </a:glow>
+                </a:effectLst>
+                <a:latin typeface="HGP行書体" panose="03000600000000000000" pitchFamily="66" charset="-128"/>
+                <a:ea typeface="HGP行書体" panose="03000600000000000000" pitchFamily="66" charset="-128"/>
+              </a:rPr>
+              <a:t>鉤縄ワイヤーアクション</a:t>
+            </a:r>
+            <a:endParaRPr lang="en-US" altLang="ja-JP" sz="2800" dirty="0">
+              <a:solidFill>
+                <a:srgbClr val="FF0D0D"/>
+              </a:solidFill>
+              <a:effectLst>
+                <a:glow rad="381000">
+                  <a:schemeClr val="bg1">
+                    <a:alpha val="80000"/>
+                  </a:schemeClr>
+                </a:glow>
+              </a:effectLst>
+              <a:latin typeface="HGP行書体" panose="03000600000000000000" pitchFamily="66" charset="-128"/>
+              <a:ea typeface="HGP行書体" panose="03000600000000000000" pitchFamily="66" charset="-128"/>
+            </a:endParaRPr>
+          </a:p>
+          <a:p>
+            <a:r>
+              <a:rPr kumimoji="1" lang="ja-JP" altLang="en-US" sz="2800" dirty="0">
+                <a:solidFill>
+                  <a:srgbClr val="FF0D0D"/>
+                </a:solidFill>
+                <a:effectLst>
+                  <a:glow rad="381000">
+                    <a:schemeClr val="bg1">
+                      <a:alpha val="80000"/>
+                    </a:schemeClr>
+                  </a:glow>
+                </a:effectLst>
+                <a:latin typeface="HGP行書体" panose="03000600000000000000" pitchFamily="66" charset="-128"/>
+                <a:ea typeface="HGP行書体" panose="03000600000000000000" pitchFamily="66" charset="-128"/>
+              </a:rPr>
+              <a:t>　　　　</a:t>
+            </a:r>
+            <a:r>
+              <a:rPr kumimoji="1" lang="ja-JP" altLang="en-US" sz="2000" dirty="0">
+                <a:solidFill>
+                  <a:srgbClr val="FF0D0D"/>
+                </a:solidFill>
+                <a:effectLst>
+                  <a:glow rad="381000">
+                    <a:schemeClr val="bg1">
+                      <a:alpha val="80000"/>
+                    </a:schemeClr>
+                  </a:glow>
+                </a:effectLst>
+                <a:latin typeface="HGP行書体" panose="03000600000000000000" pitchFamily="66" charset="-128"/>
+                <a:ea typeface="HGP行書体" panose="03000600000000000000" pitchFamily="66" charset="-128"/>
+              </a:rPr>
+              <a:t>鉤縄による引き寄せ</a:t>
+            </a:r>
+            <a:endParaRPr kumimoji="1" lang="ja-JP" altLang="en-US" sz="2800" dirty="0">
+              <a:solidFill>
+                <a:srgbClr val="FF0D0D"/>
+              </a:solidFill>
+              <a:effectLst>
+                <a:glow rad="381000">
+                  <a:schemeClr val="bg1">
+                    <a:alpha val="80000"/>
+                  </a:schemeClr>
+                </a:glow>
+              </a:effectLst>
+              <a:latin typeface="HGP行書体" panose="03000600000000000000" pitchFamily="66" charset="-128"/>
+              <a:ea typeface="HGP行書体" panose="03000600000000000000" pitchFamily="66" charset="-128"/>
+            </a:endParaRPr>
+          </a:p>
+        </p:txBody>
+      </p:sp>
+      <p:sp>
+        <p:nvSpPr>
+          <p:cNvPr id="21" name="テキスト ボックス 20">
+            <a:extLst>
+              <a:ext uri="{FF2B5EF4-FFF2-40B4-BE49-F238E27FC236}">
+                <a16:creationId xmlns:a16="http://schemas.microsoft.com/office/drawing/2014/main" id="{CF62DE6E-AC4B-5B41-68C2-3895DE783A20}"/>
+              </a:ext>
+            </a:extLst>
+          </p:cNvPr>
+          <p:cNvSpPr txBox="1"/>
+          <p:nvPr/>
+        </p:nvSpPr>
+        <p:spPr>
+          <a:xfrm rot="21196850">
+            <a:off x="4633829" y="3653995"/>
+            <a:ext cx="2310248" cy="523220"/>
+          </a:xfrm>
+          <a:prstGeom prst="rect">
+            <a:avLst/>
+          </a:prstGeom>
+          <a:noFill/>
+        </p:spPr>
+        <p:txBody>
+          <a:bodyPr wrap="none" rtlCol="0">
+            <a:spAutoFit/>
+          </a:bodyPr>
+          <a:lstStyle/>
+          <a:p>
+            <a:r>
+              <a:rPr kumimoji="1" lang="ja-JP" altLang="en-US" sz="2800" dirty="0" err="1">
+                <a:solidFill>
+                  <a:srgbClr val="FF0D0D"/>
+                </a:solidFill>
+                <a:effectLst>
+                  <a:glow rad="381000">
+                    <a:schemeClr val="bg1">
+                      <a:alpha val="80000"/>
+                    </a:schemeClr>
+                  </a:glow>
+                </a:effectLst>
+                <a:latin typeface="HGP行書体" panose="03000600000000000000" pitchFamily="66" charset="-128"/>
+                <a:ea typeface="HGP行書体" panose="03000600000000000000" pitchFamily="66" charset="-128"/>
+              </a:rPr>
+              <a:t>まきびし</a:t>
+            </a:r>
+            <a:r>
+              <a:rPr lang="ja-JP" altLang="en-US" sz="2400" dirty="0" err="1">
+                <a:solidFill>
+                  <a:srgbClr val="FF0D0D"/>
+                </a:solidFill>
+                <a:effectLst>
+                  <a:glow rad="381000">
+                    <a:schemeClr val="bg1">
+                      <a:alpha val="80000"/>
+                    </a:schemeClr>
+                  </a:glow>
+                </a:effectLst>
+                <a:latin typeface="HGP行書体" panose="03000600000000000000" pitchFamily="66" charset="-128"/>
+                <a:ea typeface="HGP行書体" panose="03000600000000000000" pitchFamily="66" charset="-128"/>
+              </a:rPr>
+              <a:t>を</a:t>
+            </a:r>
+            <a:r>
+              <a:rPr lang="ja-JP" altLang="en-US" sz="2400" dirty="0">
+                <a:solidFill>
+                  <a:srgbClr val="FF0D0D"/>
+                </a:solidFill>
+                <a:effectLst>
+                  <a:glow rad="381000">
+                    <a:schemeClr val="bg1">
+                      <a:alpha val="80000"/>
+                    </a:schemeClr>
+                  </a:glow>
+                </a:effectLst>
+                <a:latin typeface="HGP行書体" panose="03000600000000000000" pitchFamily="66" charset="-128"/>
+                <a:ea typeface="HGP行書体" panose="03000600000000000000" pitchFamily="66" charset="-128"/>
+              </a:rPr>
+              <a:t>踏ませる</a:t>
+            </a:r>
+            <a:endParaRPr kumimoji="1" lang="ja-JP" altLang="en-US" sz="2400" dirty="0">
+              <a:solidFill>
+                <a:srgbClr val="FF0D0D"/>
+              </a:solidFill>
+              <a:effectLst>
+                <a:glow rad="381000">
+                  <a:schemeClr val="bg1">
+                    <a:alpha val="80000"/>
+                  </a:schemeClr>
+                </a:glow>
+              </a:effectLst>
+              <a:latin typeface="HGP行書体" panose="03000600000000000000" pitchFamily="66" charset="-128"/>
+              <a:ea typeface="HGP行書体" panose="03000600000000000000" pitchFamily="66" charset="-128"/>
+            </a:endParaRPr>
+          </a:p>
+        </p:txBody>
+      </p:sp>
+      <p:sp>
+        <p:nvSpPr>
+          <p:cNvPr id="22" name="テキスト ボックス 21">
+            <a:extLst>
+              <a:ext uri="{FF2B5EF4-FFF2-40B4-BE49-F238E27FC236}">
+                <a16:creationId xmlns:a16="http://schemas.microsoft.com/office/drawing/2014/main" id="{E431F1DA-0464-6A6B-F297-D3EA2B3AFFFF}"/>
+              </a:ext>
+            </a:extLst>
+          </p:cNvPr>
+          <p:cNvSpPr txBox="1"/>
+          <p:nvPr/>
+        </p:nvSpPr>
+        <p:spPr>
+          <a:xfrm rot="287939">
+            <a:off x="4789953" y="4481983"/>
+            <a:ext cx="2612092" cy="461665"/>
+          </a:xfrm>
+          <a:prstGeom prst="rect">
+            <a:avLst/>
+          </a:prstGeom>
+          <a:noFill/>
+        </p:spPr>
+        <p:txBody>
+          <a:bodyPr wrap="square" rtlCol="0">
+            <a:spAutoFit/>
+          </a:bodyPr>
+          <a:lstStyle/>
+          <a:p>
+            <a:r>
+              <a:rPr kumimoji="1" lang="ja-JP" altLang="en-US" sz="2400" dirty="0">
+                <a:solidFill>
+                  <a:srgbClr val="FF0D0D"/>
+                </a:solidFill>
+                <a:effectLst>
+                  <a:glow rad="381000">
+                    <a:schemeClr val="bg1">
+                      <a:alpha val="80000"/>
+                    </a:schemeClr>
+                  </a:glow>
+                </a:effectLst>
+                <a:latin typeface="HGP行書体" panose="03000600000000000000" pitchFamily="66" charset="-128"/>
+                <a:ea typeface="HGP行書体" panose="03000600000000000000" pitchFamily="66" charset="-128"/>
+              </a:rPr>
+              <a:t>地形を利用して</a:t>
+            </a:r>
+          </a:p>
+        </p:txBody>
+      </p:sp>
+      <p:sp>
+        <p:nvSpPr>
+          <p:cNvPr id="23" name="テキスト ボックス 22">
+            <a:extLst>
+              <a:ext uri="{FF2B5EF4-FFF2-40B4-BE49-F238E27FC236}">
+                <a16:creationId xmlns:a16="http://schemas.microsoft.com/office/drawing/2014/main" id="{9C9BE3AF-BB35-9F59-C665-DDA903C98A05}"/>
+              </a:ext>
+            </a:extLst>
+          </p:cNvPr>
+          <p:cNvSpPr txBox="1"/>
+          <p:nvPr/>
+        </p:nvSpPr>
+        <p:spPr>
+          <a:xfrm rot="466622">
+            <a:off x="8123875" y="5347823"/>
+            <a:ext cx="3252814" cy="523220"/>
+          </a:xfrm>
+          <a:prstGeom prst="rect">
+            <a:avLst/>
+          </a:prstGeom>
+          <a:noFill/>
+        </p:spPr>
+        <p:txBody>
+          <a:bodyPr wrap="none" rtlCol="0">
+            <a:spAutoFit/>
+          </a:bodyPr>
+          <a:lstStyle/>
+          <a:p>
+            <a:r>
+              <a:rPr kumimoji="1" lang="ja-JP" altLang="en-US" sz="2000" dirty="0">
+                <a:solidFill>
+                  <a:srgbClr val="FF0D0D"/>
+                </a:solidFill>
+                <a:effectLst>
+                  <a:glow rad="381000">
+                    <a:schemeClr val="bg1">
+                      <a:alpha val="80000"/>
+                    </a:schemeClr>
+                  </a:glow>
+                </a:effectLst>
+                <a:latin typeface="HGP行書体" panose="03000600000000000000" pitchFamily="66" charset="-128"/>
+                <a:ea typeface="HGP行書体" panose="03000600000000000000" pitchFamily="66" charset="-128"/>
+              </a:rPr>
+              <a:t>未発見の敵には</a:t>
+            </a:r>
+            <a:r>
+              <a:rPr kumimoji="1" lang="ja-JP" altLang="en-US" sz="2800" dirty="0">
+                <a:solidFill>
+                  <a:srgbClr val="FF0D0D"/>
+                </a:solidFill>
+                <a:effectLst>
+                  <a:glow rad="381000">
+                    <a:schemeClr val="bg1">
+                      <a:alpha val="80000"/>
+                    </a:schemeClr>
+                  </a:glow>
+                </a:effectLst>
+                <a:latin typeface="HGP行書体" panose="03000600000000000000" pitchFamily="66" charset="-128"/>
+                <a:ea typeface="HGP行書体" panose="03000600000000000000" pitchFamily="66" charset="-128"/>
+              </a:rPr>
+              <a:t>即死</a:t>
+            </a:r>
+            <a:r>
+              <a:rPr kumimoji="1" lang="ja-JP" altLang="en-US" sz="2000" dirty="0">
+                <a:solidFill>
+                  <a:srgbClr val="FF0D0D"/>
+                </a:solidFill>
+                <a:effectLst>
+                  <a:glow rad="381000">
+                    <a:schemeClr val="bg1">
+                      <a:alpha val="80000"/>
+                    </a:schemeClr>
+                  </a:glow>
+                </a:effectLst>
+                <a:latin typeface="HGP行書体" panose="03000600000000000000" pitchFamily="66" charset="-128"/>
+                <a:ea typeface="HGP行書体" panose="03000600000000000000" pitchFamily="66" charset="-128"/>
+              </a:rPr>
+              <a:t>攻撃</a:t>
+            </a:r>
+            <a:r>
+              <a:rPr kumimoji="1" lang="en-US" altLang="ja-JP" sz="2000" dirty="0">
+                <a:solidFill>
+                  <a:srgbClr val="FF0D0D"/>
+                </a:solidFill>
+                <a:effectLst>
+                  <a:glow rad="381000">
+                    <a:schemeClr val="bg1">
+                      <a:alpha val="80000"/>
+                    </a:schemeClr>
+                  </a:glow>
+                </a:effectLst>
+                <a:latin typeface="HGP行書体" panose="03000600000000000000" pitchFamily="66" charset="-128"/>
+                <a:ea typeface="HGP行書体" panose="03000600000000000000" pitchFamily="66" charset="-128"/>
+              </a:rPr>
+              <a:t>!!</a:t>
+            </a:r>
+            <a:endParaRPr kumimoji="1" lang="ja-JP" altLang="en-US" sz="2400" dirty="0">
+              <a:solidFill>
+                <a:srgbClr val="FF0D0D"/>
+              </a:solidFill>
+              <a:effectLst>
+                <a:glow rad="381000">
+                  <a:schemeClr val="bg1">
+                    <a:alpha val="80000"/>
+                  </a:schemeClr>
+                </a:glow>
+              </a:effectLst>
+              <a:latin typeface="HGP行書体" panose="03000600000000000000" pitchFamily="66" charset="-128"/>
+              <a:ea typeface="HGP行書体" panose="03000600000000000000" pitchFamily="66" charset="-128"/>
+            </a:endParaRPr>
+          </a:p>
+        </p:txBody>
+      </p:sp>
+      <p:sp>
+        <p:nvSpPr>
+          <p:cNvPr id="24" name="テキスト ボックス 23">
+            <a:extLst>
+              <a:ext uri="{FF2B5EF4-FFF2-40B4-BE49-F238E27FC236}">
+                <a16:creationId xmlns:a16="http://schemas.microsoft.com/office/drawing/2014/main" id="{2AFE7543-EC60-1EC4-7268-C2AFCF13FCAC}"/>
+              </a:ext>
+            </a:extLst>
+          </p:cNvPr>
+          <p:cNvSpPr txBox="1"/>
+          <p:nvPr/>
+        </p:nvSpPr>
+        <p:spPr>
+          <a:xfrm rot="1126710">
+            <a:off x="5380422" y="5690983"/>
+            <a:ext cx="1250596" cy="461665"/>
+          </a:xfrm>
+          <a:prstGeom prst="rect">
+            <a:avLst/>
+          </a:prstGeom>
+          <a:noFill/>
+        </p:spPr>
+        <p:txBody>
+          <a:bodyPr wrap="square" rtlCol="0">
+            <a:spAutoFit/>
+          </a:bodyPr>
+          <a:lstStyle/>
+          <a:p>
+            <a:r>
+              <a:rPr kumimoji="1" lang="ja-JP" altLang="en-US" sz="2400" dirty="0">
+                <a:solidFill>
+                  <a:srgbClr val="FF0D0D"/>
+                </a:solidFill>
+                <a:effectLst>
+                  <a:glow rad="381000">
+                    <a:schemeClr val="bg1">
+                      <a:alpha val="80000"/>
+                    </a:schemeClr>
+                  </a:glow>
+                </a:effectLst>
+                <a:latin typeface="HGP行書体" panose="03000600000000000000" pitchFamily="66" charset="-128"/>
+                <a:ea typeface="HGP行書体" panose="03000600000000000000" pitchFamily="66" charset="-128"/>
+              </a:rPr>
+              <a:t>壁走る</a:t>
+            </a:r>
+          </a:p>
+        </p:txBody>
+      </p:sp>
+      <p:sp>
+        <p:nvSpPr>
+          <p:cNvPr id="25" name="テキスト ボックス 24">
+            <a:extLst>
+              <a:ext uri="{FF2B5EF4-FFF2-40B4-BE49-F238E27FC236}">
+                <a16:creationId xmlns:a16="http://schemas.microsoft.com/office/drawing/2014/main" id="{D566A454-1A98-21BB-46B7-39F15F413BE4}"/>
+              </a:ext>
+            </a:extLst>
+          </p:cNvPr>
+          <p:cNvSpPr txBox="1"/>
+          <p:nvPr/>
+        </p:nvSpPr>
+        <p:spPr>
+          <a:xfrm rot="20818456">
+            <a:off x="4706937" y="5146992"/>
+            <a:ext cx="1409024" cy="461665"/>
+          </a:xfrm>
+          <a:prstGeom prst="rect">
+            <a:avLst/>
+          </a:prstGeom>
+          <a:noFill/>
+        </p:spPr>
+        <p:txBody>
+          <a:bodyPr wrap="square" rtlCol="0">
+            <a:spAutoFit/>
+          </a:bodyPr>
+          <a:lstStyle/>
+          <a:p>
+            <a:r>
+              <a:rPr kumimoji="1" lang="ja-JP" altLang="en-US" sz="2400" dirty="0">
+                <a:solidFill>
+                  <a:srgbClr val="FF0D0D"/>
+                </a:solidFill>
+                <a:effectLst>
+                  <a:glow rad="381000">
+                    <a:schemeClr val="bg1">
+                      <a:alpha val="80000"/>
+                    </a:schemeClr>
+                  </a:glow>
+                </a:effectLst>
+                <a:latin typeface="HGP行書体" panose="03000600000000000000" pitchFamily="66" charset="-128"/>
+                <a:ea typeface="HGP行書体" panose="03000600000000000000" pitchFamily="66" charset="-128"/>
+              </a:rPr>
+              <a:t>壁キック</a:t>
+            </a:r>
+          </a:p>
+        </p:txBody>
+      </p:sp>
+      <p:sp>
+        <p:nvSpPr>
+          <p:cNvPr id="27" name="テキスト ボックス 26">
+            <a:extLst>
+              <a:ext uri="{FF2B5EF4-FFF2-40B4-BE49-F238E27FC236}">
+                <a16:creationId xmlns:a16="http://schemas.microsoft.com/office/drawing/2014/main" id="{47810971-60E2-15DA-C340-EB8725E04771}"/>
+              </a:ext>
+            </a:extLst>
+          </p:cNvPr>
+          <p:cNvSpPr txBox="1"/>
+          <p:nvPr/>
+        </p:nvSpPr>
+        <p:spPr>
+          <a:xfrm rot="678750">
+            <a:off x="5646191" y="1938102"/>
+            <a:ext cx="2638864" cy="830997"/>
+          </a:xfrm>
+          <a:prstGeom prst="rect">
+            <a:avLst/>
+          </a:prstGeom>
+          <a:noFill/>
+        </p:spPr>
+        <p:txBody>
+          <a:bodyPr wrap="none" rtlCol="0">
+            <a:spAutoFit/>
+          </a:bodyPr>
+          <a:lstStyle/>
+          <a:p>
+            <a:r>
+              <a:rPr lang="ja-JP" altLang="en-US" sz="2800" dirty="0">
+                <a:solidFill>
+                  <a:srgbClr val="FF0D0D"/>
+                </a:solidFill>
+                <a:effectLst>
+                  <a:glow rad="381000">
+                    <a:schemeClr val="bg1">
+                      <a:alpha val="80000"/>
+                    </a:schemeClr>
+                  </a:glow>
+                </a:effectLst>
+                <a:latin typeface="HGP行書体" panose="03000600000000000000" pitchFamily="66" charset="-128"/>
+                <a:ea typeface="HGP行書体" panose="03000600000000000000" pitchFamily="66" charset="-128"/>
+              </a:rPr>
+              <a:t>身代わりの術</a:t>
+            </a:r>
+            <a:r>
+              <a:rPr lang="ja-JP" altLang="en-US" sz="2000" dirty="0">
+                <a:solidFill>
+                  <a:srgbClr val="FF0D0D"/>
+                </a:solidFill>
+                <a:effectLst>
+                  <a:glow rad="381000">
+                    <a:schemeClr val="bg1">
+                      <a:alpha val="80000"/>
+                    </a:schemeClr>
+                  </a:glow>
+                </a:effectLst>
+                <a:latin typeface="HGP行書体" panose="03000600000000000000" pitchFamily="66" charset="-128"/>
+                <a:ea typeface="HGP行書体" panose="03000600000000000000" pitchFamily="66" charset="-128"/>
+              </a:rPr>
+              <a:t>で</a:t>
+            </a:r>
+            <a:endParaRPr lang="en-US" altLang="ja-JP" sz="2000" dirty="0">
+              <a:solidFill>
+                <a:srgbClr val="FF0D0D"/>
+              </a:solidFill>
+              <a:effectLst>
+                <a:glow rad="381000">
+                  <a:schemeClr val="bg1">
+                    <a:alpha val="80000"/>
+                  </a:schemeClr>
+                </a:glow>
+              </a:effectLst>
+              <a:latin typeface="HGP行書体" panose="03000600000000000000" pitchFamily="66" charset="-128"/>
+              <a:ea typeface="HGP行書体" panose="03000600000000000000" pitchFamily="66" charset="-128"/>
+            </a:endParaRPr>
+          </a:p>
+          <a:p>
+            <a:r>
+              <a:rPr lang="en-US" altLang="ja-JP" sz="2000" dirty="0">
+                <a:solidFill>
+                  <a:srgbClr val="FF0D0D"/>
+                </a:solidFill>
+                <a:effectLst>
+                  <a:glow rad="381000">
+                    <a:schemeClr val="bg1">
+                      <a:alpha val="80000"/>
+                    </a:schemeClr>
+                  </a:glow>
+                </a:effectLst>
+                <a:latin typeface="HGP行書体" panose="03000600000000000000" pitchFamily="66" charset="-128"/>
+                <a:ea typeface="HGP行書体" panose="03000600000000000000" pitchFamily="66" charset="-128"/>
+              </a:rPr>
+              <a:t>	</a:t>
+            </a:r>
+            <a:r>
+              <a:rPr lang="ja-JP" altLang="en-US" sz="2000" dirty="0">
+                <a:solidFill>
+                  <a:srgbClr val="FF0D0D"/>
+                </a:solidFill>
+                <a:effectLst>
+                  <a:glow rad="381000">
+                    <a:schemeClr val="bg1">
+                      <a:alpha val="80000"/>
+                    </a:schemeClr>
+                  </a:glow>
+                </a:effectLst>
+                <a:latin typeface="HGP行書体" panose="03000600000000000000" pitchFamily="66" charset="-128"/>
+                <a:ea typeface="HGP行書体" panose="03000600000000000000" pitchFamily="66" charset="-128"/>
+              </a:rPr>
+              <a:t>カウンター！！</a:t>
+            </a:r>
+            <a:endParaRPr kumimoji="1" lang="ja-JP" altLang="en-US" sz="2000" dirty="0">
+              <a:solidFill>
+                <a:srgbClr val="FF0D0D"/>
+              </a:solidFill>
+              <a:effectLst>
+                <a:glow rad="381000">
+                  <a:schemeClr val="bg1">
+                    <a:alpha val="80000"/>
+                  </a:schemeClr>
+                </a:glow>
+              </a:effectLst>
+              <a:latin typeface="HGP行書体" panose="03000600000000000000" pitchFamily="66" charset="-128"/>
+              <a:ea typeface="HGP行書体" panose="03000600000000000000" pitchFamily="66" charset="-128"/>
+            </a:endParaRPr>
+          </a:p>
+        </p:txBody>
+      </p:sp>
+      <p:sp>
+        <p:nvSpPr>
+          <p:cNvPr id="29" name="テキスト ボックス 28">
+            <a:extLst>
+              <a:ext uri="{FF2B5EF4-FFF2-40B4-BE49-F238E27FC236}">
+                <a16:creationId xmlns:a16="http://schemas.microsoft.com/office/drawing/2014/main" id="{5265A67F-81E6-2802-1316-95FF40CF15B7}"/>
+              </a:ext>
+            </a:extLst>
+          </p:cNvPr>
+          <p:cNvSpPr txBox="1"/>
+          <p:nvPr/>
+        </p:nvSpPr>
+        <p:spPr>
           <a:xfrm rot="358706">
-            <a:off x="3215162" y="1487004"/>
+            <a:off x="3576578" y="912404"/>
             <a:ext cx="2103461" cy="369332"/>
           </a:xfrm>
           <a:prstGeom prst="rect">
@@ -4181,6 +5185,16 @@
           <a:p>
             <a:r>
               <a:rPr kumimoji="1" lang="ja-JP" altLang="en-US" dirty="0">
+                <a:solidFill>
+                  <a:srgbClr val="FF0D0D"/>
+                </a:solidFill>
+                <a:effectLst>
+                  <a:glow rad="381000">
+                    <a:schemeClr val="bg1">
+                      <a:alpha val="80000"/>
+                    </a:schemeClr>
+                  </a:glow>
+                </a:effectLst>
                 <a:latin typeface="HGP行書体" panose="03000600000000000000" pitchFamily="66" charset="-128"/>
                 <a:ea typeface="HGP行書体" panose="03000600000000000000" pitchFamily="66" charset="-128"/>
               </a:rPr>
@@ -4202,9 +5216,9 @@
           <p:nvPr/>
         </p:nvSpPr>
         <p:spPr>
-          <a:xfrm rot="21139393">
-            <a:off x="17292" y="5251543"/>
-            <a:ext cx="4902304" cy="1200329"/>
+          <a:xfrm>
+            <a:off x="330032" y="3492473"/>
+            <a:ext cx="4479111" cy="1200329"/>
           </a:xfrm>
           <a:prstGeom prst="rect">
             <a:avLst/>
@@ -4219,12 +5233,49 @@
           <a:p>
             <a:r>
               <a:rPr kumimoji="1" lang="ja-JP" altLang="en-US" sz="3600" dirty="0">
+                <a:solidFill>
+                  <a:srgbClr val="FF0D0D"/>
+                </a:solidFill>
+                <a:effectLst>
+                  <a:glow rad="381000">
+                    <a:schemeClr val="bg1">
+                      <a:alpha val="80000"/>
+                    </a:schemeClr>
+                  </a:glow>
+                </a:effectLst>
                 <a:latin typeface="HGP行書体" panose="03000600000000000000" pitchFamily="66" charset="-128"/>
                 <a:ea typeface="HGP行書体" panose="03000600000000000000" pitchFamily="66" charset="-128"/>
               </a:rPr>
-              <a:t>コンボを決めまくると</a:t>
-            </a:r>
-            <a:endParaRPr lang="en-US" altLang="ja-JP" sz="3600" dirty="0">
+              <a:t>コンボ</a:t>
+            </a:r>
+            <a:r>
+              <a:rPr kumimoji="1" lang="ja-JP" altLang="en-US" sz="2800" dirty="0">
+                <a:solidFill>
+                  <a:srgbClr val="FF0D0D"/>
+                </a:solidFill>
+                <a:effectLst>
+                  <a:glow rad="381000">
+                    <a:schemeClr val="bg1">
+                      <a:alpha val="80000"/>
+                    </a:schemeClr>
+                  </a:glow>
+                </a:effectLst>
+                <a:latin typeface="HGP行書体" panose="03000600000000000000" pitchFamily="66" charset="-128"/>
+                <a:ea typeface="HGP行書体" panose="03000600000000000000" pitchFamily="66" charset="-128"/>
+              </a:rPr>
+              <a:t>を決めまくると</a:t>
+            </a:r>
+            <a:endParaRPr lang="en-US" altLang="ja-JP" sz="2800" dirty="0">
+              <a:solidFill>
+                <a:srgbClr val="FF0D0D"/>
+              </a:solidFill>
+              <a:effectLst>
+                <a:glow rad="381000">
+                  <a:schemeClr val="bg1">
+                    <a:alpha val="80000"/>
+                  </a:schemeClr>
+                </a:glow>
+              </a:effectLst>
               <a:latin typeface="HGP行書体" panose="03000600000000000000" pitchFamily="66" charset="-128"/>
               <a:ea typeface="HGP行書体" panose="03000600000000000000" pitchFamily="66" charset="-128"/>
             </a:endParaRPr>
@@ -4232,18 +5283,69 @@
           <a:p>
             <a:r>
               <a:rPr kumimoji="1" lang="ja-JP" altLang="en-US" sz="3600" dirty="0">
+                <a:solidFill>
+                  <a:srgbClr val="FF0D0D"/>
+                </a:solidFill>
+                <a:effectLst>
+                  <a:glow rad="381000">
+                    <a:schemeClr val="bg1">
+                      <a:alpha val="80000"/>
+                    </a:schemeClr>
+                  </a:glow>
+                </a:effectLst>
                 <a:latin typeface="HGP行書体" panose="03000600000000000000" pitchFamily="66" charset="-128"/>
                 <a:ea typeface="HGP行書体" panose="03000600000000000000" pitchFamily="66" charset="-128"/>
               </a:rPr>
-              <a:t>　　忍術の強化に繋がる</a:t>
-            </a:r>
-            <a:r>
-              <a:rPr kumimoji="1" lang="en-US" altLang="ja-JP" sz="3600" dirty="0">
+              <a:t>　　忍術の強化</a:t>
+            </a:r>
+            <a:r>
+              <a:rPr kumimoji="1" lang="ja-JP" altLang="en-US" sz="2800" dirty="0">
+                <a:solidFill>
+                  <a:srgbClr val="FF0D0D"/>
+                </a:solidFill>
+                <a:effectLst>
+                  <a:glow rad="381000">
+                    <a:schemeClr val="bg1">
+                      <a:alpha val="80000"/>
+                    </a:schemeClr>
+                  </a:glow>
+                </a:effectLst>
+                <a:latin typeface="HGP行書体" panose="03000600000000000000" pitchFamily="66" charset="-128"/>
+                <a:ea typeface="HGP行書体" panose="03000600000000000000" pitchFamily="66" charset="-128"/>
+              </a:rPr>
+              <a:t>に繋がる</a:t>
+            </a:r>
+            <a:r>
+              <a:rPr kumimoji="1" lang="en-US" altLang="ja-JP" sz="2800" dirty="0">
+                <a:solidFill>
+                  <a:srgbClr val="FF0D0D"/>
+                </a:solidFill>
+                <a:effectLst>
+                  <a:glow rad="381000">
+                    <a:schemeClr val="bg1">
+                      <a:alpha val="80000"/>
+                    </a:schemeClr>
+                  </a:glow>
+                </a:effectLst>
                 <a:latin typeface="HGP行書体" panose="03000600000000000000" pitchFamily="66" charset="-128"/>
                 <a:ea typeface="HGP行書体" panose="03000600000000000000" pitchFamily="66" charset="-128"/>
               </a:rPr>
               <a:t>!!</a:t>
             </a:r>
+            <a:endParaRPr kumimoji="1" lang="en-US" altLang="ja-JP" sz="3600" dirty="0">
+              <a:solidFill>
+                <a:srgbClr val="FF0D0D"/>
+              </a:solidFill>
+              <a:effectLst>
+                <a:glow rad="381000">
+                  <a:schemeClr val="bg1">
+                    <a:alpha val="80000"/>
+                  </a:schemeClr>
+                </a:glow>
+              </a:effectLst>
+              <a:latin typeface="HGP行書体" panose="03000600000000000000" pitchFamily="66" charset="-128"/>
+              <a:ea typeface="HGP行書体" panose="03000600000000000000" pitchFamily="66" charset="-128"/>
+            </a:endParaRPr>
           </a:p>
         </p:txBody>
       </p:sp>
@@ -4261,8 +5363,8 @@
         </p:nvSpPr>
         <p:spPr>
           <a:xfrm rot="358706">
-            <a:off x="7009841" y="1097200"/>
-            <a:ext cx="1284326" cy="584775"/>
+            <a:off x="1716835" y="2261649"/>
+            <a:ext cx="1351652" cy="646331"/>
           </a:xfrm>
           <a:prstGeom prst="rect">
             <a:avLst/>
@@ -4276,13 +5378,67 @@
           <a:lstStyle/>
           <a:p>
             <a:r>
-              <a:rPr lang="ja-JP" altLang="en-US" sz="3200" dirty="0">
+              <a:rPr lang="ja-JP" altLang="en-US" sz="3600" dirty="0">
+                <a:solidFill>
+                  <a:srgbClr val="FF0D0D"/>
+                </a:solidFill>
+                <a:effectLst>
+                  <a:glow rad="381000">
+                    <a:schemeClr val="bg1">
+                      <a:alpha val="80000"/>
+                    </a:schemeClr>
+                  </a:glow>
+                </a:effectLst>
                 <a:latin typeface="HGP行書体" panose="03000600000000000000" pitchFamily="66" charset="-128"/>
                 <a:ea typeface="HGP行書体" panose="03000600000000000000" pitchFamily="66" charset="-128"/>
               </a:rPr>
-              <a:t>攻と避</a:t>
+              <a:t>攻</a:t>
+            </a:r>
+            <a:r>
+              <a:rPr lang="ja-JP" altLang="en-US" sz="2800" dirty="0">
+                <a:solidFill>
+                  <a:srgbClr val="FF0D0D"/>
+                </a:solidFill>
+                <a:effectLst>
+                  <a:glow rad="381000">
+                    <a:schemeClr val="bg1">
+                      <a:alpha val="80000"/>
+                    </a:schemeClr>
+                  </a:glow>
+                </a:effectLst>
+                <a:latin typeface="HGP行書体" panose="03000600000000000000" pitchFamily="66" charset="-128"/>
+                <a:ea typeface="HGP行書体" panose="03000600000000000000" pitchFamily="66" charset="-128"/>
+              </a:rPr>
+              <a:t>と</a:t>
+            </a:r>
+            <a:r>
+              <a:rPr lang="ja-JP" altLang="en-US" sz="3600" dirty="0">
+                <a:solidFill>
+                  <a:srgbClr val="FF0D0D"/>
+                </a:solidFill>
+                <a:effectLst>
+                  <a:glow rad="381000">
+                    <a:schemeClr val="bg1">
+                      <a:alpha val="80000"/>
+                    </a:schemeClr>
+                  </a:glow>
+                </a:effectLst>
+                <a:latin typeface="HGP行書体" panose="03000600000000000000" pitchFamily="66" charset="-128"/>
+                <a:ea typeface="HGP行書体" panose="03000600000000000000" pitchFamily="66" charset="-128"/>
+              </a:rPr>
+              <a:t>避</a:t>
             </a:r>
             <a:endParaRPr kumimoji="1" lang="ja-JP" altLang="en-US" sz="3200" dirty="0">
+              <a:solidFill>
+                <a:srgbClr val="FF0D0D"/>
+              </a:solidFill>
+              <a:effectLst>
+                <a:glow rad="381000">
+                  <a:schemeClr val="bg1">
+                    <a:alpha val="80000"/>
+                  </a:schemeClr>
+                </a:glow>
+              </a:effectLst>
               <a:latin typeface="HGP行書体" panose="03000600000000000000" pitchFamily="66" charset="-128"/>
               <a:ea typeface="HGP行書体" panose="03000600000000000000" pitchFamily="66" charset="-128"/>
             </a:endParaRPr>
